--- a/Литовченко Д.В. ИСР2.pptx
+++ b/Литовченко Д.В. ИСР2.pptx
@@ -5,7 +5,7 @@
     <p:sldMasterId id="2147483659" r:id="rId1"/>
   </p:sldMasterIdLst>
   <p:notesMasterIdLst>
-    <p:notesMasterId r:id="rId10"/>
+    <p:notesMasterId r:id="rId13"/>
   </p:notesMasterIdLst>
   <p:sldIdLst>
     <p:sldId id="256" r:id="rId2"/>
@@ -14,8 +14,11 @@
     <p:sldId id="258" r:id="rId5"/>
     <p:sldId id="259" r:id="rId6"/>
     <p:sldId id="260" r:id="rId7"/>
-    <p:sldId id="264" r:id="rId8"/>
-    <p:sldId id="265" r:id="rId9"/>
+    <p:sldId id="267" r:id="rId8"/>
+    <p:sldId id="264" r:id="rId9"/>
+    <p:sldId id="268" r:id="rId10"/>
+    <p:sldId id="269" r:id="rId11"/>
+    <p:sldId id="265" r:id="rId12"/>
   </p:sldIdLst>
   <p:sldSz cx="9144000" cy="5143500" type="screen16x9"/>
   <p:notesSz cx="6858000" cy="9144000"/>
@@ -248,6 +251,11 @@
       </a:defRPr>
     </a:lvl9pPr>
   </p:defaultTextStyle>
+  <p:extLst>
+    <p:ext uri="{EFAFB233-063F-42B5-8137-9DF3F51BA10A}">
+      <p15:sldGuideLst xmlns:p15="http://schemas.microsoft.com/office/powerpoint/2012/main"/>
+    </p:ext>
+  </p:extLst>
 </p:presentation>
 </file>
 
@@ -1326,6 +1334,115 @@
   <p:cSld>
     <p:spTree>
       <p:nvGrpSpPr>
+        <p:cNvPr id="1" name="Shape 77"/>
+        <p:cNvGrpSpPr/>
+        <p:nvPr/>
+      </p:nvGrpSpPr>
+      <p:grpSpPr>
+        <a:xfrm>
+          <a:off x="0" y="0"/>
+          <a:ext cx="0" cy="0"/>
+          <a:chOff x="0" y="0"/>
+          <a:chExt cx="0" cy="0"/>
+        </a:xfrm>
+      </p:grpSpPr>
+      <p:sp>
+        <p:nvSpPr>
+          <p:cNvPr id="78" name="Google Shape;78;g22c1614303_0_10:notes"/>
+          <p:cNvSpPr>
+            <a:spLocks noGrp="1" noRot="1" noChangeAspect="1"/>
+          </p:cNvSpPr>
+          <p:nvPr>
+            <p:ph type="sldImg" idx="2"/>
+          </p:nvPr>
+        </p:nvSpPr>
+        <p:spPr>
+          <a:xfrm>
+            <a:off x="381000" y="685800"/>
+            <a:ext cx="6096000" cy="3429000"/>
+          </a:xfrm>
+          <a:custGeom>
+            <a:avLst/>
+            <a:gdLst/>
+            <a:ahLst/>
+            <a:cxnLst/>
+            <a:rect l="l" t="t" r="r" b="b"/>
+            <a:pathLst>
+              <a:path w="120000" h="120000" extrusionOk="0">
+                <a:moveTo>
+                  <a:pt x="0" y="0"/>
+                </a:moveTo>
+                <a:lnTo>
+                  <a:pt x="120000" y="0"/>
+                </a:lnTo>
+                <a:lnTo>
+                  <a:pt x="120000" y="120000"/>
+                </a:lnTo>
+                <a:lnTo>
+                  <a:pt x="0" y="120000"/>
+                </a:lnTo>
+                <a:close/>
+              </a:path>
+            </a:pathLst>
+          </a:custGeom>
+        </p:spPr>
+      </p:sp>
+      <p:sp>
+        <p:nvSpPr>
+          <p:cNvPr id="79" name="Google Shape;79;g22c1614303_0_10:notes"/>
+          <p:cNvSpPr txBox="1">
+            <a:spLocks noGrp="1"/>
+          </p:cNvSpPr>
+          <p:nvPr>
+            <p:ph type="body" idx="1"/>
+          </p:nvPr>
+        </p:nvSpPr>
+        <p:spPr>
+          <a:xfrm>
+            <a:off x="685800" y="4343400"/>
+            <a:ext cx="5486400" cy="4114800"/>
+          </a:xfrm>
+          <a:prstGeom prst="rect">
+            <a:avLst/>
+          </a:prstGeom>
+        </p:spPr>
+        <p:txBody>
+          <a:bodyPr spcFirstLastPara="1" wrap="square" lIns="91425" tIns="91425" rIns="91425" bIns="91425" anchor="t" anchorCtr="0">
+            <a:noAutofit/>
+          </a:bodyPr>
+          <a:lstStyle/>
+          <a:p>
+            <a:pPr marL="0" lvl="0" indent="0" algn="l" rtl="0">
+              <a:spcBef>
+                <a:spcPts val="0"/>
+              </a:spcBef>
+              <a:spcAft>
+                <a:spcPts val="0"/>
+              </a:spcAft>
+              <a:buNone/>
+            </a:pPr>
+            <a:endParaRPr/>
+          </a:p>
+        </p:txBody>
+      </p:sp>
+    </p:spTree>
+    <p:extLst>
+      <p:ext uri="{BB962C8B-B14F-4D97-AF65-F5344CB8AC3E}">
+        <p14:creationId xmlns:p14="http://schemas.microsoft.com/office/powerpoint/2010/main" val="2248785871"/>
+      </p:ext>
+    </p:extLst>
+  </p:cSld>
+  <p:clrMapOvr>
+    <a:masterClrMapping/>
+  </p:clrMapOvr>
+</p:notes>
+</file>
+
+<file path=ppt/notesSlides/notesSlide8.xml><?xml version="1.0" encoding="utf-8"?>
+<p:notes xmlns:a="http://schemas.openxmlformats.org/drawingml/2006/main" xmlns:r="http://schemas.openxmlformats.org/officeDocument/2006/relationships" xmlns:p="http://schemas.openxmlformats.org/presentationml/2006/main" showMasterSp="0" showMasterPhAnim="0">
+  <p:cSld>
+    <p:spTree>
+      <p:nvGrpSpPr>
         <p:cNvPr id="1" name="Shape 104"/>
         <p:cNvGrpSpPr/>
         <p:nvPr/>
@@ -1425,7 +1542,7 @@
 </p:notes>
 </file>
 
-<file path=ppt/notesSlides/notesSlide8.xml><?xml version="1.0" encoding="utf-8"?>
+<file path=ppt/notesSlides/notesSlide9.xml><?xml version="1.0" encoding="utf-8"?>
 <p:notes xmlns:a="http://schemas.openxmlformats.org/drawingml/2006/main" xmlns:r="http://schemas.openxmlformats.org/officeDocument/2006/relationships" xmlns:p="http://schemas.openxmlformats.org/presentationml/2006/main" showMasterSp="0" showMasterPhAnim="0">
   <p:cSld>
     <p:spTree>
@@ -6344,14 +6461,8 @@
                 <a:cs typeface="Times New Roman"/>
                 <a:sym typeface="Times New Roman"/>
               </a:rPr>
-              <a:t>Название ВКР</a:t>
+              <a:t>Разработка сервисов хранения данных на основе блокчейн технологий </a:t>
             </a:r>
-            <a:endParaRPr sz="2800" b="1" dirty="0">
-              <a:latin typeface="Times New Roman"/>
-              <a:ea typeface="Times New Roman"/>
-              <a:cs typeface="Times New Roman"/>
-              <a:sym typeface="Times New Roman"/>
-            </a:endParaRPr>
           </a:p>
         </p:txBody>
       </p:sp>
@@ -6530,7 +6641,7 @@
                 <a:cs typeface="Times New Roman"/>
                 <a:sym typeface="Times New Roman"/>
               </a:rPr>
-              <a:t>Фамилия Имя отчество</a:t>
+              <a:t>Литовченко Даниил Владиславович</a:t>
             </a:r>
             <a:endParaRPr sz="1600" dirty="0">
               <a:solidFill>
@@ -6615,7 +6726,7 @@
             <a:r>
               <a:rPr lang="ru" sz="1600" dirty="0">
                 <a:solidFill>
-                  <a:srgbClr val="FF0000"/>
+                  <a:schemeClr val="tx1"/>
                 </a:solidFill>
                 <a:latin typeface="Times New Roman"/>
                 <a:ea typeface="Times New Roman"/>
@@ -6634,7 +6745,7 @@
                 <a:cs typeface="Times New Roman"/>
                 <a:sym typeface="Times New Roman"/>
               </a:rPr>
-              <a:t>Фамилия Имя Отчество</a:t>
+              <a:t>Гончарова Светлана Викторовна</a:t>
             </a:r>
             <a:endParaRPr sz="1600" dirty="0">
               <a:solidFill>
@@ -6645,6 +6756,769 @@
               <a:cs typeface="Times New Roman"/>
               <a:sym typeface="Times New Roman"/>
             </a:endParaRPr>
+          </a:p>
+        </p:txBody>
+      </p:sp>
+    </p:spTree>
+  </p:cSld>
+  <p:clrMapOvr>
+    <a:masterClrMapping/>
+  </p:clrMapOvr>
+</p:sld>
+</file>
+
+<file path=ppt/slides/slide10.xml><?xml version="1.0" encoding="utf-8"?>
+<p:sld xmlns:a="http://schemas.openxmlformats.org/drawingml/2006/main" xmlns:r="http://schemas.openxmlformats.org/officeDocument/2006/relationships" xmlns:p="http://schemas.openxmlformats.org/presentationml/2006/main">
+  <p:cSld>
+    <p:spTree>
+      <p:nvGrpSpPr>
+        <p:cNvPr id="1" name=""/>
+        <p:cNvGrpSpPr/>
+        <p:nvPr/>
+      </p:nvGrpSpPr>
+      <p:grpSpPr>
+        <a:xfrm>
+          <a:off x="0" y="0"/>
+          <a:ext cx="0" cy="0"/>
+          <a:chOff x="0" y="0"/>
+          <a:chExt cx="0" cy="0"/>
+        </a:xfrm>
+      </p:grpSpPr>
+      <p:sp>
+        <p:nvSpPr>
+          <p:cNvPr id="2" name="Заголовок 1">
+            <a:extLst>
+              <a:ext uri="{FF2B5EF4-FFF2-40B4-BE49-F238E27FC236}">
+                <a16:creationId xmlns:a16="http://schemas.microsoft.com/office/drawing/2014/main" id="{E83AD2BE-9DA9-05DA-8B04-EBB35BFEE184}"/>
+              </a:ext>
+            </a:extLst>
+          </p:cNvPr>
+          <p:cNvSpPr>
+            <a:spLocks noGrp="1"/>
+          </p:cNvSpPr>
+          <p:nvPr>
+            <p:ph type="title"/>
+          </p:nvPr>
+        </p:nvSpPr>
+        <p:spPr/>
+        <p:txBody>
+          <a:bodyPr/>
+          <a:lstStyle/>
+          <a:p>
+            <a:r>
+              <a:rPr lang="ru-RU" dirty="0"/>
+              <a:t>Результат</a:t>
+            </a:r>
+          </a:p>
+        </p:txBody>
+      </p:sp>
+      <p:sp>
+        <p:nvSpPr>
+          <p:cNvPr id="3" name="Текст 2">
+            <a:extLst>
+              <a:ext uri="{FF2B5EF4-FFF2-40B4-BE49-F238E27FC236}">
+                <a16:creationId xmlns:a16="http://schemas.microsoft.com/office/drawing/2014/main" id="{85A5E0EC-C986-FCF2-FDA3-A441ECCC68EC}"/>
+              </a:ext>
+            </a:extLst>
+          </p:cNvPr>
+          <p:cNvSpPr>
+            <a:spLocks noGrp="1"/>
+          </p:cNvSpPr>
+          <p:nvPr>
+            <p:ph type="body" idx="1"/>
+          </p:nvPr>
+        </p:nvSpPr>
+        <p:spPr>
+          <a:xfrm>
+            <a:off x="311700" y="1152475"/>
+            <a:ext cx="4260300" cy="3416400"/>
+          </a:xfrm>
+        </p:spPr>
+        <p:txBody>
+          <a:bodyPr/>
+          <a:lstStyle/>
+          <a:p>
+            <a:pPr marL="0" lvl="0" indent="0" algn="just">
+              <a:lnSpc>
+                <a:spcPct val="107000"/>
+              </a:lnSpc>
+              <a:spcAft>
+                <a:spcPts val="500"/>
+              </a:spcAft>
+              <a:buNone/>
+            </a:pPr>
+            <a:r>
+              <a:rPr lang="ru-RU" sz="1800" dirty="0">
+                <a:effectLst/>
+                <a:latin typeface="Times New Roman" panose="02020603050405020304" pitchFamily="18" charset="0"/>
+                <a:ea typeface="Times New Roman" panose="02020603050405020304" pitchFamily="18" charset="0"/>
+              </a:rPr>
+              <a:t>Рассмотрены принципы работы сервисов хранения данных;</a:t>
+            </a:r>
+            <a:endParaRPr lang="ru-RU" sz="1800" dirty="0">
+              <a:effectLst/>
+              <a:latin typeface="Times New Roman" panose="02020603050405020304" pitchFamily="18" charset="0"/>
+              <a:ea typeface="Calibri" panose="020F0502020204030204" pitchFamily="34" charset="0"/>
+            </a:endParaRPr>
+          </a:p>
+          <a:p>
+            <a:pPr marL="0" lvl="0" indent="0" algn="just">
+              <a:lnSpc>
+                <a:spcPct val="107000"/>
+              </a:lnSpc>
+              <a:spcAft>
+                <a:spcPts val="500"/>
+              </a:spcAft>
+              <a:buNone/>
+            </a:pPr>
+            <a:r>
+              <a:rPr lang="ru-RU" sz="1800" dirty="0">
+                <a:effectLst/>
+                <a:latin typeface="Times New Roman" panose="02020603050405020304" pitchFamily="18" charset="0"/>
+                <a:ea typeface="Times New Roman" panose="02020603050405020304" pitchFamily="18" charset="0"/>
+              </a:rPr>
+              <a:t>Исследованы проблемы существующих централизованных сервисов хранения данных;</a:t>
+            </a:r>
+            <a:endParaRPr lang="ru-RU" sz="1800" dirty="0">
+              <a:effectLst/>
+              <a:latin typeface="Times New Roman" panose="02020603050405020304" pitchFamily="18" charset="0"/>
+              <a:ea typeface="Calibri" panose="020F0502020204030204" pitchFamily="34" charset="0"/>
+            </a:endParaRPr>
+          </a:p>
+          <a:p>
+            <a:pPr marL="0" lvl="0" indent="0" algn="just">
+              <a:lnSpc>
+                <a:spcPct val="107000"/>
+              </a:lnSpc>
+              <a:spcAft>
+                <a:spcPts val="500"/>
+              </a:spcAft>
+              <a:buNone/>
+            </a:pPr>
+            <a:r>
+              <a:rPr lang="ru-RU" sz="1800" dirty="0">
+                <a:effectLst/>
+                <a:latin typeface="Times New Roman" panose="02020603050405020304" pitchFamily="18" charset="0"/>
+                <a:ea typeface="Times New Roman" panose="02020603050405020304" pitchFamily="18" charset="0"/>
+              </a:rPr>
+              <a:t>Рассмотрены принципы </a:t>
+            </a:r>
+            <a:r>
+              <a:rPr lang="en-US" sz="1800" dirty="0">
+                <a:effectLst/>
+                <a:latin typeface="Times New Roman" panose="02020603050405020304" pitchFamily="18" charset="0"/>
+                <a:ea typeface="Times New Roman" panose="02020603050405020304" pitchFamily="18" charset="0"/>
+              </a:rPr>
+              <a:t>blockchain-</a:t>
+            </a:r>
+            <a:r>
+              <a:rPr lang="ru-RU" sz="1800" dirty="0">
+                <a:effectLst/>
+                <a:latin typeface="Times New Roman" panose="02020603050405020304" pitchFamily="18" charset="0"/>
+                <a:ea typeface="Times New Roman" panose="02020603050405020304" pitchFamily="18" charset="0"/>
+              </a:rPr>
+              <a:t>технологии</a:t>
+            </a:r>
+            <a:r>
+              <a:rPr lang="en-US" sz="1800" dirty="0">
+                <a:effectLst/>
+                <a:latin typeface="Times New Roman" panose="02020603050405020304" pitchFamily="18" charset="0"/>
+                <a:ea typeface="Times New Roman" panose="02020603050405020304" pitchFamily="18" charset="0"/>
+              </a:rPr>
+              <a:t>:</a:t>
+            </a:r>
+            <a:endParaRPr lang="ru-RU" sz="1800" dirty="0">
+              <a:effectLst/>
+              <a:latin typeface="Times New Roman" panose="02020603050405020304" pitchFamily="18" charset="0"/>
+              <a:ea typeface="Calibri" panose="020F0502020204030204" pitchFamily="34" charset="0"/>
+            </a:endParaRPr>
+          </a:p>
+          <a:p>
+            <a:pPr marL="0" lvl="0" indent="0" algn="just">
+              <a:lnSpc>
+                <a:spcPct val="107000"/>
+              </a:lnSpc>
+              <a:spcAft>
+                <a:spcPts val="500"/>
+              </a:spcAft>
+              <a:buNone/>
+            </a:pPr>
+            <a:r>
+              <a:rPr lang="ru-RU" sz="1800" dirty="0">
+                <a:effectLst/>
+                <a:latin typeface="Times New Roman" panose="02020603050405020304" pitchFamily="18" charset="0"/>
+                <a:ea typeface="Times New Roman" panose="02020603050405020304" pitchFamily="18" charset="0"/>
+              </a:rPr>
+              <a:t>Проанализированы существующие методы разработки децентрализованных приложений с использование технологии блокчейн;</a:t>
+            </a:r>
+            <a:endParaRPr lang="ru-RU" sz="1800" dirty="0">
+              <a:effectLst/>
+              <a:latin typeface="Times New Roman" panose="02020603050405020304" pitchFamily="18" charset="0"/>
+              <a:ea typeface="Calibri" panose="020F0502020204030204" pitchFamily="34" charset="0"/>
+            </a:endParaRPr>
+          </a:p>
+        </p:txBody>
+      </p:sp>
+      <p:sp>
+        <p:nvSpPr>
+          <p:cNvPr id="4" name="Номер слайда 3">
+            <a:extLst>
+              <a:ext uri="{FF2B5EF4-FFF2-40B4-BE49-F238E27FC236}">
+                <a16:creationId xmlns:a16="http://schemas.microsoft.com/office/drawing/2014/main" id="{4B6C5DC3-6A03-FBBC-364E-D93453EEA693}"/>
+              </a:ext>
+            </a:extLst>
+          </p:cNvPr>
+          <p:cNvSpPr>
+            <a:spLocks noGrp="1"/>
+          </p:cNvSpPr>
+          <p:nvPr>
+            <p:ph type="sldNum" idx="12"/>
+          </p:nvPr>
+        </p:nvSpPr>
+        <p:spPr/>
+        <p:txBody>
+          <a:bodyPr/>
+          <a:lstStyle/>
+          <a:p>
+            <a:pPr marL="0" lvl="0" indent="0" algn="r" rtl="0">
+              <a:spcBef>
+                <a:spcPts val="0"/>
+              </a:spcBef>
+              <a:spcAft>
+                <a:spcPts val="0"/>
+              </a:spcAft>
+              <a:buNone/>
+            </a:pPr>
+            <a:fld id="{00000000-1234-1234-1234-123412341234}" type="slidenum">
+              <a:rPr lang="ru" smtClean="0"/>
+              <a:t>10</a:t>
+            </a:fld>
+            <a:endParaRPr lang="ru"/>
+          </a:p>
+        </p:txBody>
+      </p:sp>
+      <p:sp>
+        <p:nvSpPr>
+          <p:cNvPr id="5" name="Текст 2">
+            <a:extLst>
+              <a:ext uri="{FF2B5EF4-FFF2-40B4-BE49-F238E27FC236}">
+                <a16:creationId xmlns:a16="http://schemas.microsoft.com/office/drawing/2014/main" id="{8EA40F23-868A-F5FE-5873-C55E7B138767}"/>
+              </a:ext>
+            </a:extLst>
+          </p:cNvPr>
+          <p:cNvSpPr txBox="1">
+            <a:spLocks/>
+          </p:cNvSpPr>
+          <p:nvPr/>
+        </p:nvSpPr>
+        <p:spPr>
+          <a:xfrm>
+            <a:off x="4689029" y="1123391"/>
+            <a:ext cx="4260300" cy="3416400"/>
+          </a:xfrm>
+          <a:prstGeom prst="rect">
+            <a:avLst/>
+          </a:prstGeom>
+          <a:noFill/>
+          <a:ln>
+            <a:noFill/>
+          </a:ln>
+        </p:spPr>
+        <p:txBody>
+          <a:bodyPr spcFirstLastPara="1" wrap="square" lIns="91425" tIns="91425" rIns="91425" bIns="91425" anchor="t" anchorCtr="0">
+            <a:noAutofit/>
+          </a:bodyPr>
+          <a:lstStyle>
+            <a:defPPr marR="0" lvl="0" algn="l" rtl="0">
+              <a:lnSpc>
+                <a:spcPct val="100000"/>
+              </a:lnSpc>
+              <a:spcBef>
+                <a:spcPts val="0"/>
+              </a:spcBef>
+              <a:spcAft>
+                <a:spcPts val="0"/>
+              </a:spcAft>
+            </a:defPPr>
+            <a:lvl1pPr marL="457200" marR="0" lvl="0" indent="-342900" algn="l" rtl="0">
+              <a:lnSpc>
+                <a:spcPct val="115000"/>
+              </a:lnSpc>
+              <a:spcBef>
+                <a:spcPts val="0"/>
+              </a:spcBef>
+              <a:spcAft>
+                <a:spcPts val="0"/>
+              </a:spcAft>
+              <a:buClr>
+                <a:schemeClr val="dk2"/>
+              </a:buClr>
+              <a:buSzPts val="1800"/>
+              <a:buFont typeface="Arial"/>
+              <a:buChar char="●"/>
+              <a:defRPr sz="1800" b="0" i="0" u="none" strike="noStrike" cap="none">
+                <a:solidFill>
+                  <a:schemeClr val="dk2"/>
+                </a:solidFill>
+                <a:latin typeface="Arial"/>
+                <a:ea typeface="Arial"/>
+                <a:cs typeface="Arial"/>
+                <a:sym typeface="Arial"/>
+              </a:defRPr>
+            </a:lvl1pPr>
+            <a:lvl2pPr marL="914400" marR="0" lvl="1" indent="-317500" algn="l" rtl="0">
+              <a:lnSpc>
+                <a:spcPct val="115000"/>
+              </a:lnSpc>
+              <a:spcBef>
+                <a:spcPts val="1600"/>
+              </a:spcBef>
+              <a:spcAft>
+                <a:spcPts val="0"/>
+              </a:spcAft>
+              <a:buClr>
+                <a:schemeClr val="dk2"/>
+              </a:buClr>
+              <a:buSzPts val="1400"/>
+              <a:buFont typeface="Arial"/>
+              <a:buChar char="○"/>
+              <a:defRPr sz="1400" b="0" i="0" u="none" strike="noStrike" cap="none">
+                <a:solidFill>
+                  <a:schemeClr val="dk2"/>
+                </a:solidFill>
+                <a:latin typeface="Arial"/>
+                <a:ea typeface="Arial"/>
+                <a:cs typeface="Arial"/>
+                <a:sym typeface="Arial"/>
+              </a:defRPr>
+            </a:lvl2pPr>
+            <a:lvl3pPr marL="1371600" marR="0" lvl="2" indent="-317500" algn="l" rtl="0">
+              <a:lnSpc>
+                <a:spcPct val="115000"/>
+              </a:lnSpc>
+              <a:spcBef>
+                <a:spcPts val="1600"/>
+              </a:spcBef>
+              <a:spcAft>
+                <a:spcPts val="0"/>
+              </a:spcAft>
+              <a:buClr>
+                <a:schemeClr val="dk2"/>
+              </a:buClr>
+              <a:buSzPts val="1400"/>
+              <a:buFont typeface="Arial"/>
+              <a:buChar char="■"/>
+              <a:defRPr sz="1400" b="0" i="0" u="none" strike="noStrike" cap="none">
+                <a:solidFill>
+                  <a:schemeClr val="dk2"/>
+                </a:solidFill>
+                <a:latin typeface="Arial"/>
+                <a:ea typeface="Arial"/>
+                <a:cs typeface="Arial"/>
+                <a:sym typeface="Arial"/>
+              </a:defRPr>
+            </a:lvl3pPr>
+            <a:lvl4pPr marL="1828800" marR="0" lvl="3" indent="-317500" algn="l" rtl="0">
+              <a:lnSpc>
+                <a:spcPct val="115000"/>
+              </a:lnSpc>
+              <a:spcBef>
+                <a:spcPts val="1600"/>
+              </a:spcBef>
+              <a:spcAft>
+                <a:spcPts val="0"/>
+              </a:spcAft>
+              <a:buClr>
+                <a:schemeClr val="dk2"/>
+              </a:buClr>
+              <a:buSzPts val="1400"/>
+              <a:buFont typeface="Arial"/>
+              <a:buChar char="●"/>
+              <a:defRPr sz="1400" b="0" i="0" u="none" strike="noStrike" cap="none">
+                <a:solidFill>
+                  <a:schemeClr val="dk2"/>
+                </a:solidFill>
+                <a:latin typeface="Arial"/>
+                <a:ea typeface="Arial"/>
+                <a:cs typeface="Arial"/>
+                <a:sym typeface="Arial"/>
+              </a:defRPr>
+            </a:lvl4pPr>
+            <a:lvl5pPr marL="2286000" marR="0" lvl="4" indent="-317500" algn="l" rtl="0">
+              <a:lnSpc>
+                <a:spcPct val="115000"/>
+              </a:lnSpc>
+              <a:spcBef>
+                <a:spcPts val="1600"/>
+              </a:spcBef>
+              <a:spcAft>
+                <a:spcPts val="0"/>
+              </a:spcAft>
+              <a:buClr>
+                <a:schemeClr val="dk2"/>
+              </a:buClr>
+              <a:buSzPts val="1400"/>
+              <a:buFont typeface="Arial"/>
+              <a:buChar char="○"/>
+              <a:defRPr sz="1400" b="0" i="0" u="none" strike="noStrike" cap="none">
+                <a:solidFill>
+                  <a:schemeClr val="dk2"/>
+                </a:solidFill>
+                <a:latin typeface="Arial"/>
+                <a:ea typeface="Arial"/>
+                <a:cs typeface="Arial"/>
+                <a:sym typeface="Arial"/>
+              </a:defRPr>
+            </a:lvl5pPr>
+            <a:lvl6pPr marL="2743200" marR="0" lvl="5" indent="-317500" algn="l" rtl="0">
+              <a:lnSpc>
+                <a:spcPct val="115000"/>
+              </a:lnSpc>
+              <a:spcBef>
+                <a:spcPts val="1600"/>
+              </a:spcBef>
+              <a:spcAft>
+                <a:spcPts val="0"/>
+              </a:spcAft>
+              <a:buClr>
+                <a:schemeClr val="dk2"/>
+              </a:buClr>
+              <a:buSzPts val="1400"/>
+              <a:buFont typeface="Arial"/>
+              <a:buChar char="■"/>
+              <a:defRPr sz="1400" b="0" i="0" u="none" strike="noStrike" cap="none">
+                <a:solidFill>
+                  <a:schemeClr val="dk2"/>
+                </a:solidFill>
+                <a:latin typeface="Arial"/>
+                <a:ea typeface="Arial"/>
+                <a:cs typeface="Arial"/>
+                <a:sym typeface="Arial"/>
+              </a:defRPr>
+            </a:lvl6pPr>
+            <a:lvl7pPr marL="3200400" marR="0" lvl="6" indent="-317500" algn="l" rtl="0">
+              <a:lnSpc>
+                <a:spcPct val="115000"/>
+              </a:lnSpc>
+              <a:spcBef>
+                <a:spcPts val="1600"/>
+              </a:spcBef>
+              <a:spcAft>
+                <a:spcPts val="0"/>
+              </a:spcAft>
+              <a:buClr>
+                <a:schemeClr val="dk2"/>
+              </a:buClr>
+              <a:buSzPts val="1400"/>
+              <a:buFont typeface="Arial"/>
+              <a:buChar char="●"/>
+              <a:defRPr sz="1400" b="0" i="0" u="none" strike="noStrike" cap="none">
+                <a:solidFill>
+                  <a:schemeClr val="dk2"/>
+                </a:solidFill>
+                <a:latin typeface="Arial"/>
+                <a:ea typeface="Arial"/>
+                <a:cs typeface="Arial"/>
+                <a:sym typeface="Arial"/>
+              </a:defRPr>
+            </a:lvl7pPr>
+            <a:lvl8pPr marL="3657600" marR="0" lvl="7" indent="-317500" algn="l" rtl="0">
+              <a:lnSpc>
+                <a:spcPct val="115000"/>
+              </a:lnSpc>
+              <a:spcBef>
+                <a:spcPts val="1600"/>
+              </a:spcBef>
+              <a:spcAft>
+                <a:spcPts val="0"/>
+              </a:spcAft>
+              <a:buClr>
+                <a:schemeClr val="dk2"/>
+              </a:buClr>
+              <a:buSzPts val="1400"/>
+              <a:buFont typeface="Arial"/>
+              <a:buChar char="○"/>
+              <a:defRPr sz="1400" b="0" i="0" u="none" strike="noStrike" cap="none">
+                <a:solidFill>
+                  <a:schemeClr val="dk2"/>
+                </a:solidFill>
+                <a:latin typeface="Arial"/>
+                <a:ea typeface="Arial"/>
+                <a:cs typeface="Arial"/>
+                <a:sym typeface="Arial"/>
+              </a:defRPr>
+            </a:lvl8pPr>
+            <a:lvl9pPr marL="4114800" marR="0" lvl="8" indent="-317500" algn="l" rtl="0">
+              <a:lnSpc>
+                <a:spcPct val="115000"/>
+              </a:lnSpc>
+              <a:spcBef>
+                <a:spcPts val="1600"/>
+              </a:spcBef>
+              <a:spcAft>
+                <a:spcPts val="1600"/>
+              </a:spcAft>
+              <a:buClr>
+                <a:schemeClr val="dk2"/>
+              </a:buClr>
+              <a:buSzPts val="1400"/>
+              <a:buFont typeface="Arial"/>
+              <a:buChar char="■"/>
+              <a:defRPr sz="1400" b="0" i="0" u="none" strike="noStrike" cap="none">
+                <a:solidFill>
+                  <a:schemeClr val="dk2"/>
+                </a:solidFill>
+                <a:latin typeface="Arial"/>
+                <a:ea typeface="Arial"/>
+                <a:cs typeface="Arial"/>
+                <a:sym typeface="Arial"/>
+              </a:defRPr>
+            </a:lvl9pPr>
+          </a:lstStyle>
+          <a:p>
+            <a:pPr marL="0" lvl="0" indent="0" algn="just">
+              <a:lnSpc>
+                <a:spcPct val="107000"/>
+              </a:lnSpc>
+              <a:spcAft>
+                <a:spcPts val="500"/>
+              </a:spcAft>
+              <a:buNone/>
+            </a:pPr>
+            <a:r>
+              <a:rPr lang="ru-RU" sz="1800" dirty="0">
+                <a:effectLst/>
+                <a:latin typeface="Times New Roman" panose="02020603050405020304" pitchFamily="18" charset="0"/>
+                <a:ea typeface="Times New Roman" panose="02020603050405020304" pitchFamily="18" charset="0"/>
+              </a:rPr>
+              <a:t>Исследованы инструменты по созданию децентрализованных приложений;</a:t>
+            </a:r>
+            <a:endParaRPr lang="ru-RU" sz="1800" dirty="0">
+              <a:effectLst/>
+              <a:latin typeface="Times New Roman" panose="02020603050405020304" pitchFamily="18" charset="0"/>
+              <a:ea typeface="Calibri" panose="020F0502020204030204" pitchFamily="34" charset="0"/>
+            </a:endParaRPr>
+          </a:p>
+          <a:p>
+            <a:pPr marL="0" lvl="0" indent="0" algn="just">
+              <a:lnSpc>
+                <a:spcPct val="107000"/>
+              </a:lnSpc>
+              <a:spcAft>
+                <a:spcPts val="500"/>
+              </a:spcAft>
+              <a:buNone/>
+            </a:pPr>
+            <a:r>
+              <a:rPr lang="ru-RU" sz="1800" dirty="0">
+                <a:effectLst/>
+                <a:latin typeface="Times New Roman" panose="02020603050405020304" pitchFamily="18" charset="0"/>
+                <a:ea typeface="Times New Roman" panose="02020603050405020304" pitchFamily="18" charset="0"/>
+              </a:rPr>
+              <a:t>Проанализированы принципы работы смарт-контрактов;</a:t>
+            </a:r>
+            <a:endParaRPr lang="ru-RU" sz="1800" dirty="0">
+              <a:effectLst/>
+              <a:latin typeface="Times New Roman" panose="02020603050405020304" pitchFamily="18" charset="0"/>
+              <a:ea typeface="Calibri" panose="020F0502020204030204" pitchFamily="34" charset="0"/>
+            </a:endParaRPr>
+          </a:p>
+          <a:p>
+            <a:pPr marL="0" lvl="0" indent="0" algn="just">
+              <a:lnSpc>
+                <a:spcPct val="107000"/>
+              </a:lnSpc>
+              <a:spcAft>
+                <a:spcPts val="500"/>
+              </a:spcAft>
+              <a:buNone/>
+            </a:pPr>
+            <a:r>
+              <a:rPr lang="ru-RU" sz="1800" dirty="0">
+                <a:effectLst/>
+                <a:latin typeface="Times New Roman" panose="02020603050405020304" pitchFamily="18" charset="0"/>
+                <a:ea typeface="Times New Roman" panose="02020603050405020304" pitchFamily="18" charset="0"/>
+              </a:rPr>
+              <a:t>Сформулирована концепция и основная идея децентрализованного сервиса хранения данных;</a:t>
+            </a:r>
+            <a:endParaRPr lang="ru-RU" sz="1800" dirty="0">
+              <a:effectLst/>
+              <a:latin typeface="Times New Roman" panose="02020603050405020304" pitchFamily="18" charset="0"/>
+              <a:ea typeface="Calibri" panose="020F0502020204030204" pitchFamily="34" charset="0"/>
+            </a:endParaRPr>
+          </a:p>
+          <a:p>
+            <a:pPr marL="0" lvl="0" indent="0" algn="just">
+              <a:lnSpc>
+                <a:spcPct val="107000"/>
+              </a:lnSpc>
+              <a:spcAft>
+                <a:spcPts val="500"/>
+              </a:spcAft>
+              <a:buNone/>
+            </a:pPr>
+            <a:r>
+              <a:rPr lang="ru-RU" sz="1800" dirty="0">
+                <a:effectLst/>
+                <a:latin typeface="Times New Roman" panose="02020603050405020304" pitchFamily="18" charset="0"/>
+                <a:ea typeface="Times New Roman" panose="02020603050405020304" pitchFamily="18" charset="0"/>
+              </a:rPr>
+              <a:t>Исследованы средства разработки смарт-контрактов и их стандарты;</a:t>
+            </a:r>
+            <a:endParaRPr lang="ru-RU" sz="1800" dirty="0">
+              <a:effectLst/>
+              <a:latin typeface="Times New Roman" panose="02020603050405020304" pitchFamily="18" charset="0"/>
+              <a:ea typeface="Calibri" panose="020F0502020204030204" pitchFamily="34" charset="0"/>
+            </a:endParaRPr>
+          </a:p>
+          <a:p>
+            <a:pPr marL="0" lvl="0" indent="0" algn="just">
+              <a:lnSpc>
+                <a:spcPct val="107000"/>
+              </a:lnSpc>
+              <a:spcAft>
+                <a:spcPts val="500"/>
+              </a:spcAft>
+              <a:buNone/>
+            </a:pPr>
+            <a:r>
+              <a:rPr lang="ru-RU" sz="1800" dirty="0">
+                <a:effectLst/>
+                <a:latin typeface="Times New Roman" panose="02020603050405020304" pitchFamily="18" charset="0"/>
+                <a:ea typeface="Times New Roman" panose="02020603050405020304" pitchFamily="18" charset="0"/>
+              </a:rPr>
+              <a:t>Разработана основная часть спроектированного сервиса;</a:t>
+            </a:r>
+            <a:endParaRPr lang="ru-RU" sz="1800" dirty="0">
+              <a:effectLst/>
+              <a:latin typeface="Times New Roman" panose="02020603050405020304" pitchFamily="18" charset="0"/>
+              <a:ea typeface="Calibri" panose="020F0502020204030204" pitchFamily="34" charset="0"/>
+            </a:endParaRPr>
+          </a:p>
+          <a:p>
+            <a:endParaRPr lang="ru-RU" dirty="0"/>
+          </a:p>
+        </p:txBody>
+      </p:sp>
+    </p:spTree>
+    <p:extLst>
+      <p:ext uri="{BB962C8B-B14F-4D97-AF65-F5344CB8AC3E}">
+        <p14:creationId xmlns:p14="http://schemas.microsoft.com/office/powerpoint/2010/main" val="3460097359"/>
+      </p:ext>
+    </p:extLst>
+  </p:cSld>
+  <p:clrMapOvr>
+    <a:masterClrMapping/>
+  </p:clrMapOvr>
+</p:sld>
+</file>
+
+<file path=ppt/slides/slide11.xml><?xml version="1.0" encoding="utf-8"?>
+<p:sld xmlns:a="http://schemas.openxmlformats.org/drawingml/2006/main" xmlns:r="http://schemas.openxmlformats.org/officeDocument/2006/relationships" xmlns:p="http://schemas.openxmlformats.org/presentationml/2006/main">
+  <p:cSld>
+    <p:spTree>
+      <p:nvGrpSpPr>
+        <p:cNvPr id="1" name="Shape 114"/>
+        <p:cNvGrpSpPr/>
+        <p:nvPr/>
+      </p:nvGrpSpPr>
+      <p:grpSpPr>
+        <a:xfrm>
+          <a:off x="0" y="0"/>
+          <a:ext cx="0" cy="0"/>
+          <a:chOff x="0" y="0"/>
+          <a:chExt cx="0" cy="0"/>
+        </a:xfrm>
+      </p:grpSpPr>
+      <p:sp>
+        <p:nvSpPr>
+          <p:cNvPr id="115" name="Google Shape;115;p22"/>
+          <p:cNvSpPr txBox="1">
+            <a:spLocks noGrp="1"/>
+          </p:cNvSpPr>
+          <p:nvPr>
+            <p:ph type="body" idx="1"/>
+          </p:nvPr>
+        </p:nvSpPr>
+        <p:spPr>
+          <a:xfrm>
+            <a:off x="311700" y="1355775"/>
+            <a:ext cx="8520600" cy="3416400"/>
+          </a:xfrm>
+          <a:prstGeom prst="rect">
+            <a:avLst/>
+          </a:prstGeom>
+        </p:spPr>
+        <p:txBody>
+          <a:bodyPr spcFirstLastPara="1" wrap="square" lIns="91425" tIns="91425" rIns="91425" bIns="91425" anchor="t" anchorCtr="0">
+            <a:noAutofit/>
+          </a:bodyPr>
+          <a:lstStyle/>
+          <a:p>
+            <a:pPr marL="0" lvl="0" indent="0" algn="ctr" rtl="0">
+              <a:spcBef>
+                <a:spcPts val="0"/>
+              </a:spcBef>
+              <a:spcAft>
+                <a:spcPts val="1600"/>
+              </a:spcAft>
+              <a:buNone/>
+            </a:pPr>
+            <a:r>
+              <a:rPr lang="ru" sz="3000" dirty="0">
+                <a:solidFill>
+                  <a:srgbClr val="000000"/>
+                </a:solidFill>
+              </a:rPr>
+              <a:t>Спасибо за внимание</a:t>
+            </a:r>
+            <a:endParaRPr sz="3000" dirty="0">
+              <a:solidFill>
+                <a:srgbClr val="000000"/>
+              </a:solidFill>
+            </a:endParaRPr>
+          </a:p>
+        </p:txBody>
+      </p:sp>
+      <p:sp>
+        <p:nvSpPr>
+          <p:cNvPr id="116" name="Google Shape;116;p22"/>
+          <p:cNvSpPr txBox="1">
+            <a:spLocks noGrp="1"/>
+          </p:cNvSpPr>
+          <p:nvPr>
+            <p:ph type="sldNum" idx="12"/>
+          </p:nvPr>
+        </p:nvSpPr>
+        <p:spPr>
+          <a:xfrm>
+            <a:off x="8472458" y="4663217"/>
+            <a:ext cx="548700" cy="393600"/>
+          </a:xfrm>
+          <a:prstGeom prst="rect">
+            <a:avLst/>
+          </a:prstGeom>
+        </p:spPr>
+        <p:txBody>
+          <a:bodyPr spcFirstLastPara="1" wrap="square" lIns="91425" tIns="91425" rIns="91425" bIns="91425" anchor="ctr" anchorCtr="0">
+            <a:noAutofit/>
+          </a:bodyPr>
+          <a:lstStyle/>
+          <a:p>
+            <a:pPr marL="0" lvl="0" indent="0" algn="r" rtl="0">
+              <a:spcBef>
+                <a:spcPts val="0"/>
+              </a:spcBef>
+              <a:spcAft>
+                <a:spcPts val="0"/>
+              </a:spcAft>
+              <a:buNone/>
+            </a:pPr>
+            <a:fld id="{00000000-1234-1234-1234-123412341234}" type="slidenum">
+              <a:rPr lang="ru"/>
+              <a:t>11</a:t>
+            </a:fld>
+            <a:endParaRPr/>
           </a:p>
         </p:txBody>
       </p:sp>
@@ -6711,6 +7585,14 @@
               <a:rPr lang="ru" sz="3000" dirty="0"/>
               <a:t>Актуальность</a:t>
             </a:r>
+            <a:r>
+              <a:rPr lang="en-US" sz="3000" dirty="0"/>
+              <a:t> </a:t>
+            </a:r>
+            <a:r>
+              <a:rPr lang="ru-RU" sz="3000" dirty="0"/>
+              <a:t>исследования</a:t>
+            </a:r>
             <a:endParaRPr sz="3000" dirty="0"/>
           </a:p>
         </p:txBody>
@@ -6740,18 +7622,128 @@
           </a:bodyPr>
           <a:lstStyle/>
           <a:p>
-            <a:pPr marL="0" lvl="0" indent="0" algn="l" rtl="0">
-              <a:spcBef>
-                <a:spcPts val="0"/>
-              </a:spcBef>
+            <a:pPr marL="342900">
               <a:spcAft>
                 <a:spcPts val="1600"/>
               </a:spcAft>
-              <a:buNone/>
             </a:pPr>
+            <a:r>
+              <a:rPr lang="ru-RU" sz="2400" dirty="0">
+                <a:solidFill>
+                  <a:schemeClr val="tx1"/>
+                </a:solidFill>
+                <a:latin typeface="Times New Roman"/>
+                <a:ea typeface="Times New Roman"/>
+                <a:cs typeface="Times New Roman"/>
+                <a:sym typeface="Times New Roman"/>
+              </a:rPr>
+              <a:t>Улучшение безопасности сервисов хранения данных</a:t>
+            </a:r>
+            <a:r>
+              <a:rPr lang="en-US" sz="2400" dirty="0">
+                <a:solidFill>
+                  <a:schemeClr val="tx1"/>
+                </a:solidFill>
+                <a:latin typeface="Times New Roman"/>
+                <a:ea typeface="Times New Roman"/>
+                <a:cs typeface="Times New Roman"/>
+                <a:sym typeface="Times New Roman"/>
+              </a:rPr>
+              <a:t>;</a:t>
+            </a:r>
+          </a:p>
+          <a:p>
+            <a:pPr marL="342900">
+              <a:spcAft>
+                <a:spcPts val="1600"/>
+              </a:spcAft>
+            </a:pPr>
+            <a:r>
+              <a:rPr lang="ru-RU" sz="2400" dirty="0">
+                <a:solidFill>
+                  <a:schemeClr val="tx1"/>
+                </a:solidFill>
+                <a:latin typeface="Times New Roman"/>
+                <a:ea typeface="Times New Roman"/>
+                <a:cs typeface="Times New Roman"/>
+                <a:sym typeface="Times New Roman"/>
+              </a:rPr>
+              <a:t>Автоматизирование традиционного проведения сделок</a:t>
+            </a:r>
+            <a:r>
+              <a:rPr lang="en-US" sz="2400" dirty="0">
+                <a:solidFill>
+                  <a:schemeClr val="tx1"/>
+                </a:solidFill>
+                <a:latin typeface="Times New Roman"/>
+                <a:ea typeface="Times New Roman"/>
+                <a:cs typeface="Times New Roman"/>
+                <a:sym typeface="Times New Roman"/>
+              </a:rPr>
+              <a:t>;</a:t>
+            </a:r>
+          </a:p>
+          <a:p>
+            <a:pPr marL="342900">
+              <a:spcAft>
+                <a:spcPts val="1600"/>
+              </a:spcAft>
+            </a:pPr>
+            <a:r>
+              <a:rPr lang="ru-RU" sz="2400" dirty="0">
+                <a:solidFill>
+                  <a:schemeClr val="tx1"/>
+                </a:solidFill>
+                <a:latin typeface="Times New Roman"/>
+                <a:ea typeface="Times New Roman"/>
+                <a:cs typeface="Times New Roman"/>
+                <a:sym typeface="Times New Roman"/>
+              </a:rPr>
+              <a:t>Обеспечение целостности, правдивости, прозрачности и устойчивости сервиса хранения данных</a:t>
+            </a:r>
+            <a:r>
+              <a:rPr lang="en-US" sz="2400" dirty="0">
+                <a:solidFill>
+                  <a:schemeClr val="tx1"/>
+                </a:solidFill>
+                <a:latin typeface="Times New Roman"/>
+                <a:ea typeface="Times New Roman"/>
+                <a:cs typeface="Times New Roman"/>
+                <a:sym typeface="Times New Roman"/>
+              </a:rPr>
+              <a:t>;</a:t>
+            </a:r>
+            <a:endParaRPr lang="ru-RU" sz="2400" dirty="0">
+              <a:solidFill>
+                <a:schemeClr val="tx1"/>
+              </a:solidFill>
+              <a:latin typeface="Times New Roman"/>
+              <a:ea typeface="Times New Roman"/>
+              <a:cs typeface="Times New Roman"/>
+              <a:sym typeface="Times New Roman"/>
+            </a:endParaRPr>
+          </a:p>
+          <a:p>
+            <a:pPr marL="342900">
+              <a:spcAft>
+                <a:spcPts val="1600"/>
+              </a:spcAft>
+            </a:pPr>
+            <a:r>
+              <a:rPr lang="ru-RU" sz="2400" dirty="0">
+                <a:solidFill>
+                  <a:schemeClr val="tx1"/>
+                </a:solidFill>
+                <a:latin typeface="Times New Roman"/>
+                <a:ea typeface="Times New Roman"/>
+                <a:cs typeface="Times New Roman"/>
+                <a:sym typeface="Times New Roman"/>
+              </a:rPr>
+              <a:t>Перспектива внедрения технологии в систему федерального документооборота.</a:t>
+            </a:r>
             <a:endParaRPr sz="2400" dirty="0">
               <a:solidFill>
-                <a:srgbClr val="FF00FF"/>
+                <a:schemeClr val="tx1"/>
               </a:solidFill>
               <a:latin typeface="Times New Roman"/>
               <a:ea typeface="Times New Roman"/>
@@ -6864,7 +7856,7 @@
             </a:pPr>
             <a:r>
               <a:rPr lang="ru-RU" sz="3000" dirty="0"/>
-              <a:t>Предмет</a:t>
+              <a:t>Предмет исследования</a:t>
             </a:r>
             <a:endParaRPr sz="3000" dirty="0"/>
           </a:p>
@@ -6895,18 +7887,88 @@
           </a:bodyPr>
           <a:lstStyle/>
           <a:p>
-            <a:pPr marL="0" lvl="0" indent="0" algn="l" rtl="0">
-              <a:spcBef>
-                <a:spcPts val="0"/>
-              </a:spcBef>
+            <a:pPr marL="342900">
               <a:spcAft>
                 <a:spcPts val="1600"/>
               </a:spcAft>
-              <a:buNone/>
             </a:pPr>
+            <a:r>
+              <a:rPr lang="ru-RU" sz="2400" dirty="0">
+                <a:solidFill>
+                  <a:schemeClr val="tx1"/>
+                </a:solidFill>
+                <a:latin typeface="Times New Roman"/>
+                <a:ea typeface="Times New Roman"/>
+                <a:cs typeface="Times New Roman"/>
+                <a:sym typeface="Times New Roman"/>
+              </a:rPr>
+              <a:t>Блокчейн-технология и ее применение в сфере хранения данных, документооборота и проведения сделок</a:t>
+            </a:r>
+            <a:r>
+              <a:rPr lang="en-US" sz="2400" dirty="0">
+                <a:solidFill>
+                  <a:schemeClr val="tx1"/>
+                </a:solidFill>
+                <a:latin typeface="Times New Roman"/>
+                <a:ea typeface="Times New Roman"/>
+                <a:cs typeface="Times New Roman"/>
+                <a:sym typeface="Times New Roman"/>
+              </a:rPr>
+              <a:t>;</a:t>
+            </a:r>
+          </a:p>
+          <a:p>
+            <a:pPr marL="342900">
+              <a:spcAft>
+                <a:spcPts val="1600"/>
+              </a:spcAft>
+            </a:pPr>
+            <a:r>
+              <a:rPr lang="ru-RU" sz="2400" dirty="0">
+                <a:solidFill>
+                  <a:schemeClr val="tx1"/>
+                </a:solidFill>
+                <a:latin typeface="Times New Roman"/>
+                <a:ea typeface="Times New Roman"/>
+                <a:cs typeface="Times New Roman"/>
+                <a:sym typeface="Times New Roman"/>
+              </a:rPr>
+              <a:t>Разработка прототипа сервиса хранения данных</a:t>
+            </a:r>
+            <a:r>
+              <a:rPr lang="en-US" sz="2400" dirty="0">
+                <a:solidFill>
+                  <a:schemeClr val="tx1"/>
+                </a:solidFill>
+                <a:latin typeface="Times New Roman"/>
+                <a:ea typeface="Times New Roman"/>
+                <a:cs typeface="Times New Roman"/>
+                <a:sym typeface="Times New Roman"/>
+              </a:rPr>
+              <a:t>;</a:t>
+            </a:r>
+          </a:p>
+          <a:p>
+            <a:pPr marL="342900">
+              <a:spcAft>
+                <a:spcPts val="1600"/>
+              </a:spcAft>
+            </a:pPr>
+            <a:r>
+              <a:rPr lang="ru-RU" sz="2400" dirty="0">
+                <a:solidFill>
+                  <a:schemeClr val="tx1"/>
+                </a:solidFill>
+                <a:latin typeface="Times New Roman"/>
+                <a:ea typeface="Times New Roman"/>
+                <a:cs typeface="Times New Roman"/>
+                <a:sym typeface="Times New Roman"/>
+              </a:rPr>
+              <a:t>Рассмотрение вариантов внедрения технологии в существующую систему электронного-документооборота.</a:t>
+            </a:r>
             <a:endParaRPr sz="2400" dirty="0">
               <a:solidFill>
-                <a:srgbClr val="FF00FF"/>
+                <a:schemeClr val="tx1"/>
               </a:solidFill>
               <a:latin typeface="Times New Roman"/>
               <a:ea typeface="Times New Roman"/>
@@ -7029,7 +8091,7 @@
                 <a:cs typeface="Times New Roman"/>
                 <a:sym typeface="Times New Roman"/>
               </a:rPr>
-              <a:t>Цель</a:t>
+              <a:t>Цель исследования</a:t>
             </a:r>
             <a:endParaRPr sz="3000" dirty="0">
               <a:latin typeface="Times New Roman"/>
@@ -7065,24 +8127,118 @@
           </a:bodyPr>
           <a:lstStyle/>
           <a:p>
-            <a:pPr marL="0" lvl="0" indent="0" algn="just" rtl="0">
+            <a:pPr marL="342900" algn="just">
               <a:lnSpc>
                 <a:spcPct val="150000"/>
               </a:lnSpc>
-              <a:spcBef>
-                <a:spcPts val="0"/>
-              </a:spcBef>
-              <a:spcAft>
-                <a:spcPts val="0"/>
-              </a:spcAft>
               <a:buClr>
                 <a:schemeClr val="dk1"/>
               </a:buClr>
               <a:buSzPts val="1100"/>
-              <a:buFont typeface="Arial"/>
-              <a:buNone/>
             </a:pPr>
-            <a:endParaRPr sz="2400" dirty="0">
+            <a:endParaRPr lang="ru-RU" sz="2400" dirty="0">
+              <a:solidFill>
+                <a:schemeClr val="tx1"/>
+              </a:solidFill>
+              <a:latin typeface="Times New Roman"/>
+              <a:ea typeface="Times New Roman"/>
+              <a:cs typeface="Times New Roman"/>
+              <a:sym typeface="Times New Roman"/>
+            </a:endParaRPr>
+          </a:p>
+          <a:p>
+            <a:pPr marL="0" indent="0" algn="ctr">
+              <a:lnSpc>
+                <a:spcPct val="150000"/>
+              </a:lnSpc>
+              <a:buClr>
+                <a:schemeClr val="dk1"/>
+              </a:buClr>
+              <a:buSzPts val="1100"/>
+              <a:buNone/>
+            </a:pPr>
+            <a:r>
+              <a:rPr lang="ru-RU" sz="2400" dirty="0">
+                <a:solidFill>
+                  <a:schemeClr val="tx1"/>
+                </a:solidFill>
+                <a:latin typeface="Times New Roman"/>
+                <a:ea typeface="Times New Roman"/>
+                <a:cs typeface="Times New Roman"/>
+                <a:sym typeface="Times New Roman"/>
+              </a:rPr>
+              <a:t>Разобрать принцип работы и применения технологии блокчейн в системах хранения данных</a:t>
+            </a:r>
+            <a:r>
+              <a:rPr lang="en-US" sz="2400" dirty="0">
+                <a:solidFill>
+                  <a:schemeClr val="tx1"/>
+                </a:solidFill>
+                <a:latin typeface="Times New Roman"/>
+                <a:ea typeface="Times New Roman"/>
+                <a:cs typeface="Times New Roman"/>
+                <a:sym typeface="Times New Roman"/>
+              </a:rPr>
+              <a:t>.</a:t>
+            </a:r>
+            <a:endParaRPr lang="ru-RU" sz="2400" dirty="0">
+              <a:solidFill>
+                <a:schemeClr val="tx1"/>
+              </a:solidFill>
+              <a:latin typeface="Times New Roman"/>
+              <a:ea typeface="Times New Roman"/>
+              <a:cs typeface="Times New Roman"/>
+              <a:sym typeface="Times New Roman"/>
+            </a:endParaRPr>
+          </a:p>
+          <a:p>
+            <a:pPr marL="0" indent="0" algn="ctr">
+              <a:lnSpc>
+                <a:spcPct val="150000"/>
+              </a:lnSpc>
+              <a:buClr>
+                <a:schemeClr val="dk1"/>
+              </a:buClr>
+              <a:buSzPts val="1100"/>
+              <a:buNone/>
+            </a:pPr>
+            <a:endParaRPr lang="ru-RU" sz="2400" dirty="0">
+              <a:solidFill>
+                <a:schemeClr val="tx1"/>
+              </a:solidFill>
+              <a:latin typeface="Times New Roman"/>
+              <a:ea typeface="Times New Roman"/>
+              <a:cs typeface="Times New Roman"/>
+              <a:sym typeface="Times New Roman"/>
+            </a:endParaRPr>
+          </a:p>
+          <a:p>
+            <a:pPr marL="0" indent="0" algn="ctr">
+              <a:lnSpc>
+                <a:spcPct val="150000"/>
+              </a:lnSpc>
+              <a:buClr>
+                <a:schemeClr val="dk1"/>
+              </a:buClr>
+              <a:buSzPts val="1100"/>
+              <a:buNone/>
+            </a:pPr>
+            <a:r>
+              <a:rPr lang="ru-RU" sz="2400" dirty="0">
+                <a:solidFill>
+                  <a:schemeClr val="tx1"/>
+                </a:solidFill>
+                <a:latin typeface="Times New Roman"/>
+                <a:ea typeface="Times New Roman"/>
+                <a:cs typeface="Times New Roman"/>
+                <a:sym typeface="Times New Roman"/>
+              </a:rPr>
+              <a:t>Спроектировать модель сервиса хранения данных.</a:t>
+            </a:r>
+            <a:endParaRPr lang="en-US" sz="2400" dirty="0">
+              <a:solidFill>
+                <a:schemeClr val="tx1"/>
+              </a:solidFill>
               <a:latin typeface="Times New Roman"/>
               <a:ea typeface="Times New Roman"/>
               <a:cs typeface="Times New Roman"/>
@@ -7222,8 +8378,8 @@
         </p:nvSpPr>
         <p:spPr>
           <a:xfrm>
-            <a:off x="231500" y="1818775"/>
-            <a:ext cx="8325600" cy="1045200"/>
+            <a:off x="311700" y="1144654"/>
+            <a:ext cx="8325600" cy="3518563"/>
           </a:xfrm>
           <a:prstGeom prst="rect">
             <a:avLst/>
@@ -7234,6 +8390,142 @@
             <a:noAutofit/>
           </a:bodyPr>
           <a:lstStyle/>
+          <a:p>
+            <a:pPr marL="342900" lvl="0" indent="-342900" algn="just">
+              <a:lnSpc>
+                <a:spcPct val="107000"/>
+              </a:lnSpc>
+              <a:spcAft>
+                <a:spcPts val="500"/>
+              </a:spcAft>
+              <a:buFont typeface="+mj-lt"/>
+              <a:buAutoNum type="arabicPeriod"/>
+              <a:tabLst>
+                <a:tab pos="457200" algn="l"/>
+              </a:tabLst>
+            </a:pPr>
+            <a:r>
+              <a:rPr lang="ru-RU" sz="1800" dirty="0">
+                <a:solidFill>
+                  <a:schemeClr val="tx1"/>
+                </a:solidFill>
+                <a:effectLst/>
+                <a:latin typeface="Times New Roman" panose="02020603050405020304" pitchFamily="18" charset="0"/>
+                <a:ea typeface="Times New Roman" panose="02020603050405020304" pitchFamily="18" charset="0"/>
+              </a:rPr>
+              <a:t>Детально исследовать проблемы существующих решений централизованных сервисов хранения данных;</a:t>
+            </a:r>
+            <a:endParaRPr lang="ru-RU" sz="1800" dirty="0">
+              <a:solidFill>
+                <a:schemeClr val="tx1"/>
+              </a:solidFill>
+              <a:effectLst/>
+              <a:latin typeface="Times New Roman" panose="02020603050405020304" pitchFamily="18" charset="0"/>
+              <a:ea typeface="Calibri" panose="020F0502020204030204" pitchFamily="34" charset="0"/>
+            </a:endParaRPr>
+          </a:p>
+          <a:p>
+            <a:pPr marL="342900" lvl="0" indent="-342900" algn="just">
+              <a:lnSpc>
+                <a:spcPct val="107000"/>
+              </a:lnSpc>
+              <a:spcAft>
+                <a:spcPts val="500"/>
+              </a:spcAft>
+              <a:buFont typeface="+mj-lt"/>
+              <a:buAutoNum type="arabicPeriod"/>
+              <a:tabLst>
+                <a:tab pos="457200" algn="l"/>
+              </a:tabLst>
+            </a:pPr>
+            <a:r>
+              <a:rPr lang="ru-RU" sz="1800" dirty="0">
+                <a:solidFill>
+                  <a:schemeClr val="tx1"/>
+                </a:solidFill>
+                <a:effectLst/>
+                <a:latin typeface="Times New Roman" panose="02020603050405020304" pitchFamily="18" charset="0"/>
+                <a:ea typeface="Times New Roman" panose="02020603050405020304" pitchFamily="18" charset="0"/>
+              </a:rPr>
+              <a:t>Проанализировать существующие методы разработки децентрализованных приложений с использование технологии блокчейн;</a:t>
+            </a:r>
+            <a:endParaRPr lang="ru-RU" sz="1800" dirty="0">
+              <a:solidFill>
+                <a:schemeClr val="tx1"/>
+              </a:solidFill>
+              <a:effectLst/>
+              <a:latin typeface="Times New Roman" panose="02020603050405020304" pitchFamily="18" charset="0"/>
+              <a:ea typeface="Calibri" panose="020F0502020204030204" pitchFamily="34" charset="0"/>
+            </a:endParaRPr>
+          </a:p>
+          <a:p>
+            <a:pPr marL="342900" lvl="0" indent="-342900" algn="just">
+              <a:lnSpc>
+                <a:spcPct val="107000"/>
+              </a:lnSpc>
+              <a:spcAft>
+                <a:spcPts val="500"/>
+              </a:spcAft>
+              <a:buFont typeface="+mj-lt"/>
+              <a:buAutoNum type="arabicPeriod"/>
+              <a:tabLst>
+                <a:tab pos="457200" algn="l"/>
+              </a:tabLst>
+            </a:pPr>
+            <a:r>
+              <a:rPr lang="ru-RU" sz="1800" dirty="0">
+                <a:solidFill>
+                  <a:schemeClr val="tx1"/>
+                </a:solidFill>
+                <a:effectLst/>
+                <a:latin typeface="Times New Roman" panose="02020603050405020304" pitchFamily="18" charset="0"/>
+                <a:ea typeface="Times New Roman" panose="02020603050405020304" pitchFamily="18" charset="0"/>
+              </a:rPr>
+              <a:t>С помощью выбранного метода и предлагаемого методом инструментария спроектировать прототип основного функционала децентрализованного сервиса хранения данных;</a:t>
+            </a:r>
+            <a:endParaRPr lang="ru-RU" sz="1800" dirty="0">
+              <a:solidFill>
+                <a:schemeClr val="tx1"/>
+              </a:solidFill>
+              <a:effectLst/>
+              <a:latin typeface="Times New Roman" panose="02020603050405020304" pitchFamily="18" charset="0"/>
+              <a:ea typeface="Calibri" panose="020F0502020204030204" pitchFamily="34" charset="0"/>
+            </a:endParaRPr>
+          </a:p>
+          <a:p>
+            <a:pPr marL="342900" lvl="0" indent="-342900" algn="just">
+              <a:lnSpc>
+                <a:spcPct val="107000"/>
+              </a:lnSpc>
+              <a:spcAft>
+                <a:spcPts val="500"/>
+              </a:spcAft>
+              <a:buFont typeface="+mj-lt"/>
+              <a:buAutoNum type="arabicPeriod"/>
+              <a:tabLst>
+                <a:tab pos="457200" algn="l"/>
+              </a:tabLst>
+            </a:pPr>
+            <a:r>
+              <a:rPr lang="ru-RU" sz="1800" dirty="0">
+                <a:solidFill>
+                  <a:schemeClr val="tx1"/>
+                </a:solidFill>
+                <a:effectLst/>
+                <a:latin typeface="Times New Roman" panose="02020603050405020304" pitchFamily="18" charset="0"/>
+                <a:ea typeface="Times New Roman" panose="02020603050405020304" pitchFamily="18" charset="0"/>
+              </a:rPr>
+              <a:t>Оценить выполненную работу, составить подробный план реализации прототипа;</a:t>
+            </a:r>
+            <a:endParaRPr lang="ru-RU" sz="1800" dirty="0">
+              <a:solidFill>
+                <a:schemeClr val="tx1"/>
+              </a:solidFill>
+              <a:effectLst/>
+              <a:latin typeface="Times New Roman" panose="02020603050405020304" pitchFamily="18" charset="0"/>
+              <a:ea typeface="Calibri" panose="020F0502020204030204" pitchFamily="34" charset="0"/>
+            </a:endParaRPr>
+          </a:p>
           <a:p>
             <a:pPr marL="0" lvl="0" indent="0" algn="l" rtl="0">
               <a:spcBef>
@@ -7364,6 +8656,624 @@
                 <a:cs typeface="Times New Roman"/>
                 <a:sym typeface="Times New Roman"/>
               </a:rPr>
+              <a:t>Значимость</a:t>
+            </a:r>
+            <a:endParaRPr dirty="0">
+              <a:latin typeface="Times New Roman"/>
+              <a:ea typeface="Times New Roman"/>
+              <a:cs typeface="Times New Roman"/>
+              <a:sym typeface="Times New Roman"/>
+            </a:endParaRPr>
+          </a:p>
+        </p:txBody>
+      </p:sp>
+      <p:sp>
+        <p:nvSpPr>
+          <p:cNvPr id="82" name="Google Shape;82;p17"/>
+          <p:cNvSpPr txBox="1">
+            <a:spLocks noGrp="1"/>
+          </p:cNvSpPr>
+          <p:nvPr>
+            <p:ph type="body" idx="1"/>
+          </p:nvPr>
+        </p:nvSpPr>
+        <p:spPr>
+          <a:xfrm>
+            <a:off x="311700" y="1282075"/>
+            <a:ext cx="4260300" cy="3416400"/>
+          </a:xfrm>
+          <a:prstGeom prst="rect">
+            <a:avLst/>
+          </a:prstGeom>
+        </p:spPr>
+        <p:txBody>
+          <a:bodyPr spcFirstLastPara="1" wrap="square" lIns="91425" tIns="91425" rIns="91425" bIns="91425" anchor="t" anchorCtr="0">
+            <a:noAutofit/>
+          </a:bodyPr>
+          <a:lstStyle/>
+          <a:p>
+            <a:pPr marL="88900" lvl="0" indent="0" algn="ctr" rtl="0">
+              <a:spcBef>
+                <a:spcPts val="0"/>
+              </a:spcBef>
+              <a:spcAft>
+                <a:spcPts val="0"/>
+              </a:spcAft>
+              <a:buClr>
+                <a:srgbClr val="000000"/>
+              </a:buClr>
+              <a:buSzPts val="2200"/>
+              <a:buNone/>
+            </a:pPr>
+            <a:r>
+              <a:rPr lang="ru-RU" sz="2200" dirty="0">
+                <a:solidFill>
+                  <a:schemeClr val="dk1"/>
+                </a:solidFill>
+                <a:latin typeface="Times New Roman"/>
+                <a:ea typeface="Times New Roman"/>
+                <a:cs typeface="Times New Roman"/>
+                <a:sym typeface="Times New Roman"/>
+              </a:rPr>
+              <a:t>Теоретическая значимость:</a:t>
+            </a:r>
+          </a:p>
+          <a:p>
+            <a:pPr marL="88900" lvl="0" indent="0" algn="ctr" rtl="0">
+              <a:spcBef>
+                <a:spcPts val="0"/>
+              </a:spcBef>
+              <a:spcAft>
+                <a:spcPts val="0"/>
+              </a:spcAft>
+              <a:buClr>
+                <a:srgbClr val="000000"/>
+              </a:buClr>
+              <a:buSzPts val="2200"/>
+              <a:buNone/>
+            </a:pPr>
+            <a:endParaRPr lang="ru-RU" sz="2200" dirty="0">
+              <a:solidFill>
+                <a:schemeClr val="dk1"/>
+              </a:solidFill>
+              <a:latin typeface="Times New Roman"/>
+              <a:ea typeface="Times New Roman"/>
+              <a:cs typeface="Times New Roman"/>
+              <a:sym typeface="Times New Roman"/>
+            </a:endParaRPr>
+          </a:p>
+          <a:p>
+            <a:pPr marL="88900" lvl="0" indent="0" algn="ctr" rtl="0">
+              <a:spcBef>
+                <a:spcPts val="0"/>
+              </a:spcBef>
+              <a:spcAft>
+                <a:spcPts val="0"/>
+              </a:spcAft>
+              <a:buClr>
+                <a:srgbClr val="000000"/>
+              </a:buClr>
+              <a:buSzPts val="2200"/>
+              <a:buNone/>
+            </a:pPr>
+            <a:r>
+              <a:rPr lang="ru-RU" sz="2200" dirty="0">
+                <a:solidFill>
+                  <a:schemeClr val="dk1"/>
+                </a:solidFill>
+                <a:latin typeface="Times New Roman"/>
+                <a:ea typeface="Times New Roman"/>
+                <a:cs typeface="Times New Roman"/>
+                <a:sym typeface="Times New Roman"/>
+              </a:rPr>
+              <a:t>Получение знаний по проектированию прототипа децентрализованного сервиса хранения данных на </a:t>
+            </a:r>
+            <a:r>
+              <a:rPr lang="ru-RU" sz="2200" dirty="0" err="1">
+                <a:solidFill>
+                  <a:schemeClr val="dk1"/>
+                </a:solidFill>
+                <a:latin typeface="Times New Roman"/>
+                <a:ea typeface="Times New Roman"/>
+                <a:cs typeface="Times New Roman"/>
+                <a:sym typeface="Times New Roman"/>
+              </a:rPr>
+              <a:t>блокчейне</a:t>
+            </a:r>
+            <a:r>
+              <a:rPr lang="ru-RU" sz="2200" dirty="0">
+                <a:solidFill>
+                  <a:schemeClr val="dk1"/>
+                </a:solidFill>
+                <a:latin typeface="Times New Roman"/>
+                <a:ea typeface="Times New Roman"/>
+                <a:cs typeface="Times New Roman"/>
+                <a:sym typeface="Times New Roman"/>
+              </a:rPr>
+              <a:t>, изучение блокчейн технологии и технологий хранения данных</a:t>
+            </a:r>
+            <a:endParaRPr sz="2200" dirty="0">
+              <a:solidFill>
+                <a:schemeClr val="dk1"/>
+              </a:solidFill>
+              <a:latin typeface="Times New Roman"/>
+              <a:ea typeface="Times New Roman"/>
+              <a:cs typeface="Times New Roman"/>
+              <a:sym typeface="Times New Roman"/>
+            </a:endParaRPr>
+          </a:p>
+        </p:txBody>
+      </p:sp>
+      <p:sp>
+        <p:nvSpPr>
+          <p:cNvPr id="83" name="Google Shape;83;p17"/>
+          <p:cNvSpPr txBox="1">
+            <a:spLocks noGrp="1"/>
+          </p:cNvSpPr>
+          <p:nvPr>
+            <p:ph type="sldNum" idx="12"/>
+          </p:nvPr>
+        </p:nvSpPr>
+        <p:spPr>
+          <a:xfrm>
+            <a:off x="8472458" y="4663217"/>
+            <a:ext cx="548700" cy="393600"/>
+          </a:xfrm>
+          <a:prstGeom prst="rect">
+            <a:avLst/>
+          </a:prstGeom>
+        </p:spPr>
+        <p:txBody>
+          <a:bodyPr spcFirstLastPara="1" wrap="square" lIns="91425" tIns="91425" rIns="91425" bIns="91425" anchor="ctr" anchorCtr="0">
+            <a:noAutofit/>
+          </a:bodyPr>
+          <a:lstStyle/>
+          <a:p>
+            <a:pPr marL="0" lvl="0" indent="0" algn="r" rtl="0">
+              <a:spcBef>
+                <a:spcPts val="0"/>
+              </a:spcBef>
+              <a:spcAft>
+                <a:spcPts val="0"/>
+              </a:spcAft>
+              <a:buNone/>
+            </a:pPr>
+            <a:fld id="{00000000-1234-1234-1234-123412341234}" type="slidenum">
+              <a:rPr lang="ru"/>
+              <a:t>6</a:t>
+            </a:fld>
+            <a:endParaRPr/>
+          </a:p>
+        </p:txBody>
+      </p:sp>
+      <p:sp>
+        <p:nvSpPr>
+          <p:cNvPr id="5" name="Google Shape;82;p17">
+            <a:extLst>
+              <a:ext uri="{FF2B5EF4-FFF2-40B4-BE49-F238E27FC236}">
+                <a16:creationId xmlns:a16="http://schemas.microsoft.com/office/drawing/2014/main" id="{D1603A8E-A3E0-79CF-7396-D8512DF95D7E}"/>
+              </a:ext>
+            </a:extLst>
+          </p:cNvPr>
+          <p:cNvSpPr txBox="1">
+            <a:spLocks/>
+          </p:cNvSpPr>
+          <p:nvPr/>
+        </p:nvSpPr>
+        <p:spPr>
+          <a:xfrm>
+            <a:off x="4572000" y="1282075"/>
+            <a:ext cx="4260300" cy="3416400"/>
+          </a:xfrm>
+          <a:prstGeom prst="rect">
+            <a:avLst/>
+          </a:prstGeom>
+          <a:noFill/>
+          <a:ln>
+            <a:noFill/>
+          </a:ln>
+        </p:spPr>
+        <p:txBody>
+          <a:bodyPr spcFirstLastPara="1" wrap="square" lIns="91425" tIns="91425" rIns="91425" bIns="91425" anchor="t" anchorCtr="0">
+            <a:noAutofit/>
+          </a:bodyPr>
+          <a:lstStyle>
+            <a:defPPr marR="0" lvl="0" algn="l" rtl="0">
+              <a:lnSpc>
+                <a:spcPct val="100000"/>
+              </a:lnSpc>
+              <a:spcBef>
+                <a:spcPts val="0"/>
+              </a:spcBef>
+              <a:spcAft>
+                <a:spcPts val="0"/>
+              </a:spcAft>
+            </a:defPPr>
+            <a:lvl1pPr marL="457200" marR="0" lvl="0" indent="-342900" algn="l" rtl="0">
+              <a:lnSpc>
+                <a:spcPct val="115000"/>
+              </a:lnSpc>
+              <a:spcBef>
+                <a:spcPts val="0"/>
+              </a:spcBef>
+              <a:spcAft>
+                <a:spcPts val="0"/>
+              </a:spcAft>
+              <a:buClr>
+                <a:schemeClr val="dk2"/>
+              </a:buClr>
+              <a:buSzPts val="1800"/>
+              <a:buFont typeface="Arial"/>
+              <a:buChar char="●"/>
+              <a:defRPr sz="1800" b="0" i="0" u="none" strike="noStrike" cap="none">
+                <a:solidFill>
+                  <a:schemeClr val="dk2"/>
+                </a:solidFill>
+                <a:latin typeface="Arial"/>
+                <a:ea typeface="Arial"/>
+                <a:cs typeface="Arial"/>
+                <a:sym typeface="Arial"/>
+              </a:defRPr>
+            </a:lvl1pPr>
+            <a:lvl2pPr marL="914400" marR="0" lvl="1" indent="-317500" algn="l" rtl="0">
+              <a:lnSpc>
+                <a:spcPct val="115000"/>
+              </a:lnSpc>
+              <a:spcBef>
+                <a:spcPts val="1600"/>
+              </a:spcBef>
+              <a:spcAft>
+                <a:spcPts val="0"/>
+              </a:spcAft>
+              <a:buClr>
+                <a:schemeClr val="dk2"/>
+              </a:buClr>
+              <a:buSzPts val="1400"/>
+              <a:buFont typeface="Arial"/>
+              <a:buChar char="○"/>
+              <a:defRPr sz="1400" b="0" i="0" u="none" strike="noStrike" cap="none">
+                <a:solidFill>
+                  <a:schemeClr val="dk2"/>
+                </a:solidFill>
+                <a:latin typeface="Arial"/>
+                <a:ea typeface="Arial"/>
+                <a:cs typeface="Arial"/>
+                <a:sym typeface="Arial"/>
+              </a:defRPr>
+            </a:lvl2pPr>
+            <a:lvl3pPr marL="1371600" marR="0" lvl="2" indent="-317500" algn="l" rtl="0">
+              <a:lnSpc>
+                <a:spcPct val="115000"/>
+              </a:lnSpc>
+              <a:spcBef>
+                <a:spcPts val="1600"/>
+              </a:spcBef>
+              <a:spcAft>
+                <a:spcPts val="0"/>
+              </a:spcAft>
+              <a:buClr>
+                <a:schemeClr val="dk2"/>
+              </a:buClr>
+              <a:buSzPts val="1400"/>
+              <a:buFont typeface="Arial"/>
+              <a:buChar char="■"/>
+              <a:defRPr sz="1400" b="0" i="0" u="none" strike="noStrike" cap="none">
+                <a:solidFill>
+                  <a:schemeClr val="dk2"/>
+                </a:solidFill>
+                <a:latin typeface="Arial"/>
+                <a:ea typeface="Arial"/>
+                <a:cs typeface="Arial"/>
+                <a:sym typeface="Arial"/>
+              </a:defRPr>
+            </a:lvl3pPr>
+            <a:lvl4pPr marL="1828800" marR="0" lvl="3" indent="-317500" algn="l" rtl="0">
+              <a:lnSpc>
+                <a:spcPct val="115000"/>
+              </a:lnSpc>
+              <a:spcBef>
+                <a:spcPts val="1600"/>
+              </a:spcBef>
+              <a:spcAft>
+                <a:spcPts val="0"/>
+              </a:spcAft>
+              <a:buClr>
+                <a:schemeClr val="dk2"/>
+              </a:buClr>
+              <a:buSzPts val="1400"/>
+              <a:buFont typeface="Arial"/>
+              <a:buChar char="●"/>
+              <a:defRPr sz="1400" b="0" i="0" u="none" strike="noStrike" cap="none">
+                <a:solidFill>
+                  <a:schemeClr val="dk2"/>
+                </a:solidFill>
+                <a:latin typeface="Arial"/>
+                <a:ea typeface="Arial"/>
+                <a:cs typeface="Arial"/>
+                <a:sym typeface="Arial"/>
+              </a:defRPr>
+            </a:lvl4pPr>
+            <a:lvl5pPr marL="2286000" marR="0" lvl="4" indent="-317500" algn="l" rtl="0">
+              <a:lnSpc>
+                <a:spcPct val="115000"/>
+              </a:lnSpc>
+              <a:spcBef>
+                <a:spcPts val="1600"/>
+              </a:spcBef>
+              <a:spcAft>
+                <a:spcPts val="0"/>
+              </a:spcAft>
+              <a:buClr>
+                <a:schemeClr val="dk2"/>
+              </a:buClr>
+              <a:buSzPts val="1400"/>
+              <a:buFont typeface="Arial"/>
+              <a:buChar char="○"/>
+              <a:defRPr sz="1400" b="0" i="0" u="none" strike="noStrike" cap="none">
+                <a:solidFill>
+                  <a:schemeClr val="dk2"/>
+                </a:solidFill>
+                <a:latin typeface="Arial"/>
+                <a:ea typeface="Arial"/>
+                <a:cs typeface="Arial"/>
+                <a:sym typeface="Arial"/>
+              </a:defRPr>
+            </a:lvl5pPr>
+            <a:lvl6pPr marL="2743200" marR="0" lvl="5" indent="-317500" algn="l" rtl="0">
+              <a:lnSpc>
+                <a:spcPct val="115000"/>
+              </a:lnSpc>
+              <a:spcBef>
+                <a:spcPts val="1600"/>
+              </a:spcBef>
+              <a:spcAft>
+                <a:spcPts val="0"/>
+              </a:spcAft>
+              <a:buClr>
+                <a:schemeClr val="dk2"/>
+              </a:buClr>
+              <a:buSzPts val="1400"/>
+              <a:buFont typeface="Arial"/>
+              <a:buChar char="■"/>
+              <a:defRPr sz="1400" b="0" i="0" u="none" strike="noStrike" cap="none">
+                <a:solidFill>
+                  <a:schemeClr val="dk2"/>
+                </a:solidFill>
+                <a:latin typeface="Arial"/>
+                <a:ea typeface="Arial"/>
+                <a:cs typeface="Arial"/>
+                <a:sym typeface="Arial"/>
+              </a:defRPr>
+            </a:lvl6pPr>
+            <a:lvl7pPr marL="3200400" marR="0" lvl="6" indent="-317500" algn="l" rtl="0">
+              <a:lnSpc>
+                <a:spcPct val="115000"/>
+              </a:lnSpc>
+              <a:spcBef>
+                <a:spcPts val="1600"/>
+              </a:spcBef>
+              <a:spcAft>
+                <a:spcPts val="0"/>
+              </a:spcAft>
+              <a:buClr>
+                <a:schemeClr val="dk2"/>
+              </a:buClr>
+              <a:buSzPts val="1400"/>
+              <a:buFont typeface="Arial"/>
+              <a:buChar char="●"/>
+              <a:defRPr sz="1400" b="0" i="0" u="none" strike="noStrike" cap="none">
+                <a:solidFill>
+                  <a:schemeClr val="dk2"/>
+                </a:solidFill>
+                <a:latin typeface="Arial"/>
+                <a:ea typeface="Arial"/>
+                <a:cs typeface="Arial"/>
+                <a:sym typeface="Arial"/>
+              </a:defRPr>
+            </a:lvl7pPr>
+            <a:lvl8pPr marL="3657600" marR="0" lvl="7" indent="-317500" algn="l" rtl="0">
+              <a:lnSpc>
+                <a:spcPct val="115000"/>
+              </a:lnSpc>
+              <a:spcBef>
+                <a:spcPts val="1600"/>
+              </a:spcBef>
+              <a:spcAft>
+                <a:spcPts val="0"/>
+              </a:spcAft>
+              <a:buClr>
+                <a:schemeClr val="dk2"/>
+              </a:buClr>
+              <a:buSzPts val="1400"/>
+              <a:buFont typeface="Arial"/>
+              <a:buChar char="○"/>
+              <a:defRPr sz="1400" b="0" i="0" u="none" strike="noStrike" cap="none">
+                <a:solidFill>
+                  <a:schemeClr val="dk2"/>
+                </a:solidFill>
+                <a:latin typeface="Arial"/>
+                <a:ea typeface="Arial"/>
+                <a:cs typeface="Arial"/>
+                <a:sym typeface="Arial"/>
+              </a:defRPr>
+            </a:lvl8pPr>
+            <a:lvl9pPr marL="4114800" marR="0" lvl="8" indent="-317500" algn="l" rtl="0">
+              <a:lnSpc>
+                <a:spcPct val="115000"/>
+              </a:lnSpc>
+              <a:spcBef>
+                <a:spcPts val="1600"/>
+              </a:spcBef>
+              <a:spcAft>
+                <a:spcPts val="1600"/>
+              </a:spcAft>
+              <a:buClr>
+                <a:schemeClr val="dk2"/>
+              </a:buClr>
+              <a:buSzPts val="1400"/>
+              <a:buFont typeface="Arial"/>
+              <a:buChar char="■"/>
+              <a:defRPr sz="1400" b="0" i="0" u="none" strike="noStrike" cap="none">
+                <a:solidFill>
+                  <a:schemeClr val="dk2"/>
+                </a:solidFill>
+                <a:latin typeface="Arial"/>
+                <a:ea typeface="Arial"/>
+                <a:cs typeface="Arial"/>
+                <a:sym typeface="Arial"/>
+              </a:defRPr>
+            </a:lvl9pPr>
+          </a:lstStyle>
+          <a:p>
+            <a:pPr marL="88900" indent="0" algn="ctr">
+              <a:buClr>
+                <a:srgbClr val="000000"/>
+              </a:buClr>
+              <a:buSzPts val="2200"/>
+              <a:buFont typeface="Arial"/>
+              <a:buNone/>
+            </a:pPr>
+            <a:r>
+              <a:rPr lang="ru-RU" sz="2200" dirty="0">
+                <a:solidFill>
+                  <a:schemeClr val="dk1"/>
+                </a:solidFill>
+                <a:latin typeface="Times New Roman"/>
+                <a:ea typeface="Times New Roman"/>
+                <a:cs typeface="Times New Roman"/>
+                <a:sym typeface="Times New Roman"/>
+              </a:rPr>
+              <a:t>Практическая значимость:</a:t>
+            </a:r>
+          </a:p>
+          <a:p>
+            <a:pPr marL="88900" indent="0" algn="ctr">
+              <a:buClr>
+                <a:srgbClr val="000000"/>
+              </a:buClr>
+              <a:buSzPts val="2200"/>
+              <a:buFont typeface="Arial"/>
+              <a:buNone/>
+            </a:pPr>
+            <a:endParaRPr lang="ru-RU" sz="2200" dirty="0">
+              <a:solidFill>
+                <a:schemeClr val="dk1"/>
+              </a:solidFill>
+              <a:latin typeface="Times New Roman"/>
+              <a:ea typeface="Times New Roman"/>
+              <a:cs typeface="Times New Roman"/>
+              <a:sym typeface="Times New Roman"/>
+            </a:endParaRPr>
+          </a:p>
+          <a:p>
+            <a:pPr marL="88900" indent="0" algn="ctr">
+              <a:buClr>
+                <a:srgbClr val="000000"/>
+              </a:buClr>
+              <a:buSzPts val="2200"/>
+              <a:buFont typeface="Arial"/>
+              <a:buNone/>
+            </a:pPr>
+            <a:r>
+              <a:rPr lang="ru-RU" sz="2200" dirty="0">
+                <a:solidFill>
+                  <a:schemeClr val="dk1"/>
+                </a:solidFill>
+                <a:latin typeface="Times New Roman"/>
+                <a:ea typeface="Times New Roman"/>
+                <a:cs typeface="Times New Roman"/>
+                <a:sym typeface="Times New Roman"/>
+              </a:rPr>
+              <a:t>Разработка минимально жизнеспособного продукта (MVP)</a:t>
+            </a:r>
+          </a:p>
+          <a:p>
+            <a:pPr marL="88900" indent="0" algn="ctr">
+              <a:buClr>
+                <a:srgbClr val="000000"/>
+              </a:buClr>
+              <a:buSzPts val="2200"/>
+              <a:buFont typeface="Arial"/>
+              <a:buNone/>
+            </a:pPr>
+            <a:endParaRPr lang="ru-RU" sz="2200" dirty="0">
+              <a:solidFill>
+                <a:schemeClr val="dk1"/>
+              </a:solidFill>
+              <a:latin typeface="Times New Roman"/>
+              <a:ea typeface="Times New Roman"/>
+              <a:cs typeface="Times New Roman"/>
+              <a:sym typeface="Times New Roman"/>
+            </a:endParaRPr>
+          </a:p>
+        </p:txBody>
+      </p:sp>
+    </p:spTree>
+  </p:cSld>
+  <p:clrMapOvr>
+    <a:masterClrMapping/>
+  </p:clrMapOvr>
+</p:sld>
+</file>
+
+<file path=ppt/slides/slide7.xml><?xml version="1.0" encoding="utf-8"?>
+<p:sld xmlns:a="http://schemas.openxmlformats.org/drawingml/2006/main" xmlns:r="http://schemas.openxmlformats.org/officeDocument/2006/relationships" xmlns:p="http://schemas.openxmlformats.org/presentationml/2006/main">
+  <p:cSld>
+    <p:spTree>
+      <p:nvGrpSpPr>
+        <p:cNvPr id="1" name="Shape 80"/>
+        <p:cNvGrpSpPr/>
+        <p:nvPr/>
+      </p:nvGrpSpPr>
+      <p:grpSpPr>
+        <a:xfrm>
+          <a:off x="0" y="0"/>
+          <a:ext cx="0" cy="0"/>
+          <a:chOff x="0" y="0"/>
+          <a:chExt cx="0" cy="0"/>
+        </a:xfrm>
+      </p:grpSpPr>
+      <p:sp>
+        <p:nvSpPr>
+          <p:cNvPr id="81" name="Google Shape;81;p17"/>
+          <p:cNvSpPr txBox="1">
+            <a:spLocks noGrp="1"/>
+          </p:cNvSpPr>
+          <p:nvPr>
+            <p:ph type="title"/>
+          </p:nvPr>
+        </p:nvSpPr>
+        <p:spPr>
+          <a:xfrm>
+            <a:off x="311700" y="445025"/>
+            <a:ext cx="8520600" cy="572700"/>
+          </a:xfrm>
+          <a:prstGeom prst="rect">
+            <a:avLst/>
+          </a:prstGeom>
+        </p:spPr>
+        <p:txBody>
+          <a:bodyPr spcFirstLastPara="1" wrap="square" lIns="91425" tIns="91425" rIns="91425" bIns="91425" anchor="t" anchorCtr="0">
+            <a:noAutofit/>
+          </a:bodyPr>
+          <a:lstStyle/>
+          <a:p>
+            <a:pPr marL="0" lvl="0" indent="0" algn="l" rtl="0">
+              <a:spcBef>
+                <a:spcPts val="0"/>
+              </a:spcBef>
+              <a:spcAft>
+                <a:spcPts val="0"/>
+              </a:spcAft>
+              <a:buNone/>
+            </a:pPr>
+            <a:r>
+              <a:rPr lang="ru-RU" dirty="0">
+                <a:latin typeface="Times New Roman"/>
+                <a:ea typeface="Times New Roman"/>
+                <a:cs typeface="Times New Roman"/>
+                <a:sym typeface="Times New Roman"/>
+              </a:rPr>
               <a:t>Инструменты и технологии</a:t>
             </a:r>
             <a:endParaRPr dirty="0">
@@ -7400,19 +9310,196 @@
           </a:bodyPr>
           <a:lstStyle/>
           <a:p>
-            <a:pPr marL="88900" lvl="0" indent="0" algn="l" rtl="0">
-              <a:spcBef>
-                <a:spcPts val="0"/>
-              </a:spcBef>
-              <a:spcAft>
-                <a:spcPts val="0"/>
-              </a:spcAft>
+            <a:pPr marL="431800">
               <a:buClr>
                 <a:srgbClr val="000000"/>
               </a:buClr>
               <a:buSzPts val="2200"/>
-              <a:buNone/>
             </a:pPr>
+            <a:r>
+              <a:rPr lang="ru-RU" sz="2200" dirty="0">
+                <a:solidFill>
+                  <a:schemeClr val="dk1"/>
+                </a:solidFill>
+                <a:latin typeface="Times New Roman"/>
+                <a:ea typeface="Times New Roman"/>
+                <a:cs typeface="Times New Roman"/>
+                <a:sym typeface="Times New Roman"/>
+              </a:rPr>
+              <a:t>Блокчейн</a:t>
+            </a:r>
+            <a:r>
+              <a:rPr lang="en-US" sz="2200" dirty="0">
+                <a:solidFill>
+                  <a:schemeClr val="dk1"/>
+                </a:solidFill>
+                <a:latin typeface="Times New Roman"/>
+                <a:ea typeface="Times New Roman"/>
+                <a:cs typeface="Times New Roman"/>
+                <a:sym typeface="Times New Roman"/>
+              </a:rPr>
+              <a:t>;</a:t>
+            </a:r>
+          </a:p>
+          <a:p>
+            <a:pPr marL="431800">
+              <a:buClr>
+                <a:srgbClr val="000000"/>
+              </a:buClr>
+              <a:buSzPts val="2200"/>
+            </a:pPr>
+            <a:r>
+              <a:rPr lang="ru-RU" sz="2200" dirty="0">
+                <a:solidFill>
+                  <a:schemeClr val="dk1"/>
+                </a:solidFill>
+                <a:latin typeface="Times New Roman"/>
+                <a:ea typeface="Times New Roman"/>
+                <a:cs typeface="Times New Roman"/>
+                <a:sym typeface="Times New Roman"/>
+              </a:rPr>
+              <a:t>Платформа </a:t>
+            </a:r>
+            <a:r>
+              <a:rPr lang="en-US" sz="2200" dirty="0">
+                <a:solidFill>
+                  <a:schemeClr val="dk1"/>
+                </a:solidFill>
+                <a:latin typeface="Times New Roman"/>
+                <a:ea typeface="Times New Roman"/>
+                <a:cs typeface="Times New Roman"/>
+                <a:sym typeface="Times New Roman"/>
+              </a:rPr>
+              <a:t>Ethereum;</a:t>
+            </a:r>
+          </a:p>
+          <a:p>
+            <a:pPr marL="431800">
+              <a:buClr>
+                <a:srgbClr val="000000"/>
+              </a:buClr>
+              <a:buSzPts val="2200"/>
+            </a:pPr>
+            <a:r>
+              <a:rPr lang="en-US" sz="2200" dirty="0">
+                <a:solidFill>
+                  <a:schemeClr val="dk1"/>
+                </a:solidFill>
+                <a:latin typeface="Times New Roman"/>
+                <a:ea typeface="Times New Roman"/>
+                <a:cs typeface="Times New Roman"/>
+                <a:sym typeface="Times New Roman"/>
+              </a:rPr>
+              <a:t>Solidity </a:t>
+            </a:r>
+            <a:r>
+              <a:rPr lang="ru-RU" sz="2200" dirty="0">
+                <a:solidFill>
+                  <a:schemeClr val="dk1"/>
+                </a:solidFill>
+                <a:latin typeface="Times New Roman"/>
+                <a:ea typeface="Times New Roman"/>
+                <a:cs typeface="Times New Roman"/>
+                <a:sym typeface="Times New Roman"/>
+              </a:rPr>
+              <a:t>и смарт-контракты</a:t>
+            </a:r>
+            <a:r>
+              <a:rPr lang="en-US" sz="2200" dirty="0">
+                <a:solidFill>
+                  <a:schemeClr val="dk1"/>
+                </a:solidFill>
+                <a:latin typeface="Times New Roman"/>
+                <a:ea typeface="Times New Roman"/>
+                <a:cs typeface="Times New Roman"/>
+                <a:sym typeface="Times New Roman"/>
+              </a:rPr>
+              <a:t>;</a:t>
+            </a:r>
+          </a:p>
+          <a:p>
+            <a:pPr marL="431800">
+              <a:buClr>
+                <a:srgbClr val="000000"/>
+              </a:buClr>
+              <a:buSzPts val="2200"/>
+            </a:pPr>
+            <a:r>
+              <a:rPr lang="en-US" sz="2200" dirty="0">
+                <a:solidFill>
+                  <a:schemeClr val="dk1"/>
+                </a:solidFill>
+                <a:latin typeface="Times New Roman"/>
+                <a:ea typeface="Times New Roman"/>
+                <a:cs typeface="Times New Roman"/>
+                <a:sym typeface="Times New Roman"/>
+              </a:rPr>
+              <a:t>IDE Remix;</a:t>
+            </a:r>
+          </a:p>
+          <a:p>
+            <a:pPr marL="431800">
+              <a:buClr>
+                <a:srgbClr val="000000"/>
+              </a:buClr>
+              <a:buSzPts val="2200"/>
+            </a:pPr>
+            <a:r>
+              <a:rPr lang="ru-RU" sz="2200" dirty="0">
+                <a:solidFill>
+                  <a:schemeClr val="dk1"/>
+                </a:solidFill>
+                <a:latin typeface="Times New Roman"/>
+                <a:ea typeface="Times New Roman"/>
+                <a:cs typeface="Times New Roman"/>
+                <a:sym typeface="Times New Roman"/>
+              </a:rPr>
+              <a:t>Стандарты токенов</a:t>
+            </a:r>
+            <a:r>
+              <a:rPr lang="en-US" sz="2200" dirty="0">
+                <a:solidFill>
+                  <a:schemeClr val="dk1"/>
+                </a:solidFill>
+                <a:latin typeface="Times New Roman"/>
+                <a:ea typeface="Times New Roman"/>
+                <a:cs typeface="Times New Roman"/>
+                <a:sym typeface="Times New Roman"/>
+              </a:rPr>
+              <a:t>;</a:t>
+            </a:r>
+          </a:p>
+          <a:p>
+            <a:pPr marL="431800">
+              <a:buClr>
+                <a:srgbClr val="000000"/>
+              </a:buClr>
+              <a:buSzPts val="2200"/>
+            </a:pPr>
+            <a:r>
+              <a:rPr lang="en-US" sz="2200" dirty="0" err="1">
+                <a:solidFill>
+                  <a:schemeClr val="dk1"/>
+                </a:solidFill>
+                <a:latin typeface="Times New Roman"/>
+                <a:ea typeface="Times New Roman"/>
+                <a:cs typeface="Times New Roman"/>
+                <a:sym typeface="Times New Roman"/>
+              </a:rPr>
+              <a:t>OpenZeppelin</a:t>
+            </a:r>
+            <a:r>
+              <a:rPr lang="en-US" sz="2200" dirty="0">
+                <a:solidFill>
+                  <a:schemeClr val="dk1"/>
+                </a:solidFill>
+                <a:latin typeface="Times New Roman"/>
+                <a:ea typeface="Times New Roman"/>
+                <a:cs typeface="Times New Roman"/>
+                <a:sym typeface="Times New Roman"/>
+              </a:rPr>
+              <a:t>.</a:t>
+            </a:r>
             <a:endParaRPr sz="2200" dirty="0">
               <a:solidFill>
                 <a:schemeClr val="dk1"/>
@@ -7461,13 +9548,18 @@
             </a:pPr>
             <a:fld id="{00000000-1234-1234-1234-123412341234}" type="slidenum">
               <a:rPr lang="ru"/>
-              <a:t>6</a:t>
+              <a:t>7</a:t>
             </a:fld>
             <a:endParaRPr/>
           </a:p>
         </p:txBody>
       </p:sp>
     </p:spTree>
+    <p:extLst>
+      <p:ext uri="{BB962C8B-B14F-4D97-AF65-F5344CB8AC3E}">
+        <p14:creationId xmlns:p14="http://schemas.microsoft.com/office/powerpoint/2010/main" val="3385932899"/>
+      </p:ext>
+    </p:extLst>
   </p:cSld>
   <p:clrMapOvr>
     <a:masterClrMapping/>
@@ -7475,7 +9567,7 @@
 </p:sld>
 </file>
 
-<file path=ppt/slides/slide7.xml><?xml version="1.0" encoding="utf-8"?>
+<file path=ppt/slides/slide8.xml><?xml version="1.0" encoding="utf-8"?>
 <p:sld xmlns:a="http://schemas.openxmlformats.org/drawingml/2006/main" xmlns:r="http://schemas.openxmlformats.org/officeDocument/2006/relationships" xmlns:p="http://schemas.openxmlformats.org/presentationml/2006/main">
   <p:cSld>
     <p:spTree>
@@ -7528,7 +9620,7 @@
             </a:pPr>
             <a:r>
               <a:rPr lang="ru-RU" dirty="0"/>
-              <a:t>Результат</a:t>
+              <a:t>Разработка смарт-контракта</a:t>
             </a:r>
             <a:endParaRPr dirty="0"/>
           </a:p>
@@ -7571,18 +9663,6 @@
               </a:spcAft>
               <a:buNone/>
             </a:pPr>
-            <a:r>
-              <a:rPr lang="ru-RU" sz="2400" dirty="0">
-                <a:solidFill>
-                  <a:srgbClr val="000000"/>
-                </a:solidFill>
-                <a:latin typeface="Times New Roman"/>
-                <a:ea typeface="Times New Roman"/>
-                <a:cs typeface="Times New Roman"/>
-                <a:sym typeface="Times New Roman"/>
-              </a:rPr>
-              <a:t>Тут может быть скрин главной страницы вашего продукта</a:t>
-            </a:r>
             <a:endParaRPr sz="2400" dirty="0">
               <a:solidFill>
                 <a:srgbClr val="000000"/>
@@ -7631,12 +9711,132 @@
             </a:pPr>
             <a:fld id="{00000000-1234-1234-1234-123412341234}" type="slidenum">
               <a:rPr lang="ru"/>
-              <a:t>7</a:t>
+              <a:t>8</a:t>
             </a:fld>
             <a:endParaRPr/>
           </a:p>
         </p:txBody>
       </p:sp>
+      <p:pic>
+        <p:nvPicPr>
+          <p:cNvPr id="3" name="Рисунок 2">
+            <a:extLst>
+              <a:ext uri="{FF2B5EF4-FFF2-40B4-BE49-F238E27FC236}">
+                <a16:creationId xmlns:a16="http://schemas.microsoft.com/office/drawing/2014/main" id="{F71C64D8-A17F-4160-373D-A2A57D518BCB}"/>
+              </a:ext>
+            </a:extLst>
+          </p:cNvPr>
+          <p:cNvPicPr>
+            <a:picLocks noChangeAspect="1"/>
+          </p:cNvPicPr>
+          <p:nvPr/>
+        </p:nvPicPr>
+        <p:blipFill>
+          <a:blip r:embed="rId3"/>
+          <a:stretch>
+            <a:fillRect/>
+          </a:stretch>
+        </p:blipFill>
+        <p:spPr>
+          <a:xfrm>
+            <a:off x="311700" y="1152475"/>
+            <a:ext cx="4303927" cy="996699"/>
+          </a:xfrm>
+          <a:prstGeom prst="rect">
+            <a:avLst/>
+          </a:prstGeom>
+        </p:spPr>
+      </p:pic>
+      <p:pic>
+        <p:nvPicPr>
+          <p:cNvPr id="5" name="Рисунок 4">
+            <a:extLst>
+              <a:ext uri="{FF2B5EF4-FFF2-40B4-BE49-F238E27FC236}">
+                <a16:creationId xmlns:a16="http://schemas.microsoft.com/office/drawing/2014/main" id="{2B925F11-D1DD-6907-BF90-6FD0C6D5245B}"/>
+              </a:ext>
+            </a:extLst>
+          </p:cNvPr>
+          <p:cNvPicPr>
+            <a:picLocks noChangeAspect="1"/>
+          </p:cNvPicPr>
+          <p:nvPr/>
+        </p:nvPicPr>
+        <p:blipFill>
+          <a:blip r:embed="rId4"/>
+          <a:stretch>
+            <a:fillRect/>
+          </a:stretch>
+        </p:blipFill>
+        <p:spPr>
+          <a:xfrm>
+            <a:off x="311700" y="2104539"/>
+            <a:ext cx="3898842" cy="2293436"/>
+          </a:xfrm>
+          <a:prstGeom prst="rect">
+            <a:avLst/>
+          </a:prstGeom>
+        </p:spPr>
+      </p:pic>
+      <p:pic>
+        <p:nvPicPr>
+          <p:cNvPr id="7" name="Рисунок 6">
+            <a:extLst>
+              <a:ext uri="{FF2B5EF4-FFF2-40B4-BE49-F238E27FC236}">
+                <a16:creationId xmlns:a16="http://schemas.microsoft.com/office/drawing/2014/main" id="{8301C622-003B-36D9-0A26-F888A332594E}"/>
+              </a:ext>
+            </a:extLst>
+          </p:cNvPr>
+          <p:cNvPicPr>
+            <a:picLocks noChangeAspect="1"/>
+          </p:cNvPicPr>
+          <p:nvPr/>
+        </p:nvPicPr>
+        <p:blipFill>
+          <a:blip r:embed="rId5"/>
+          <a:stretch>
+            <a:fillRect/>
+          </a:stretch>
+        </p:blipFill>
+        <p:spPr>
+          <a:xfrm>
+            <a:off x="4615627" y="1152476"/>
+            <a:ext cx="3504548" cy="2705358"/>
+          </a:xfrm>
+          <a:prstGeom prst="rect">
+            <a:avLst/>
+          </a:prstGeom>
+        </p:spPr>
+      </p:pic>
+      <p:pic>
+        <p:nvPicPr>
+          <p:cNvPr id="9" name="Рисунок 8">
+            <a:extLst>
+              <a:ext uri="{FF2B5EF4-FFF2-40B4-BE49-F238E27FC236}">
+                <a16:creationId xmlns:a16="http://schemas.microsoft.com/office/drawing/2014/main" id="{AD22A5B5-34BE-03F0-3A76-3AAB4DC1E065}"/>
+              </a:ext>
+            </a:extLst>
+          </p:cNvPr>
+          <p:cNvPicPr>
+            <a:picLocks noChangeAspect="1"/>
+          </p:cNvPicPr>
+          <p:nvPr/>
+        </p:nvPicPr>
+        <p:blipFill>
+          <a:blip r:embed="rId6"/>
+          <a:stretch>
+            <a:fillRect/>
+          </a:stretch>
+        </p:blipFill>
+        <p:spPr>
+          <a:xfrm>
+            <a:off x="4515510" y="3857834"/>
+            <a:ext cx="3104215" cy="689232"/>
+          </a:xfrm>
+          <a:prstGeom prst="rect">
+            <a:avLst/>
+          </a:prstGeom>
+        </p:spPr>
+      </p:pic>
     </p:spTree>
   </p:cSld>
   <p:clrMapOvr>
@@ -7645,12 +9845,12 @@
 </p:sld>
 </file>
 
-<file path=ppt/slides/slide8.xml><?xml version="1.0" encoding="utf-8"?>
+<file path=ppt/slides/slide9.xml><?xml version="1.0" encoding="utf-8"?>
 <p:sld xmlns:a="http://schemas.openxmlformats.org/drawingml/2006/main" xmlns:r="http://schemas.openxmlformats.org/officeDocument/2006/relationships" xmlns:p="http://schemas.openxmlformats.org/presentationml/2006/main">
   <p:cSld>
     <p:spTree>
       <p:nvGrpSpPr>
-        <p:cNvPr id="1" name="Shape 114"/>
+        <p:cNvPr id="1" name=""/>
         <p:cNvGrpSpPr/>
         <p:nvPr/>
       </p:nvGrpSpPr>
@@ -7664,77 +9864,100 @@
       </p:grpSpPr>
       <p:sp>
         <p:nvSpPr>
-          <p:cNvPr id="115" name="Google Shape;115;p22"/>
-          <p:cNvSpPr txBox="1">
+          <p:cNvPr id="2" name="Заголовок 1">
+            <a:extLst>
+              <a:ext uri="{FF2B5EF4-FFF2-40B4-BE49-F238E27FC236}">
+                <a16:creationId xmlns:a16="http://schemas.microsoft.com/office/drawing/2014/main" id="{E83AD2BE-9DA9-05DA-8B04-EBB35BFEE184}"/>
+              </a:ext>
+            </a:extLst>
+          </p:cNvPr>
+          <p:cNvSpPr>
+            <a:spLocks noGrp="1"/>
+          </p:cNvSpPr>
+          <p:nvPr>
+            <p:ph type="title"/>
+          </p:nvPr>
+        </p:nvSpPr>
+        <p:spPr/>
+        <p:txBody>
+          <a:bodyPr/>
+          <a:lstStyle/>
+          <a:p>
+            <a:r>
+              <a:rPr lang="ru-RU" dirty="0"/>
+              <a:t>Функции разработанного смарт-контракта</a:t>
+            </a:r>
+          </a:p>
+        </p:txBody>
+      </p:sp>
+      <p:sp>
+        <p:nvSpPr>
+          <p:cNvPr id="3" name="Текст 2">
+            <a:extLst>
+              <a:ext uri="{FF2B5EF4-FFF2-40B4-BE49-F238E27FC236}">
+                <a16:creationId xmlns:a16="http://schemas.microsoft.com/office/drawing/2014/main" id="{85A5E0EC-C986-FCF2-FDA3-A441ECCC68EC}"/>
+              </a:ext>
+            </a:extLst>
+          </p:cNvPr>
+          <p:cNvSpPr>
             <a:spLocks noGrp="1"/>
           </p:cNvSpPr>
           <p:nvPr>
             <p:ph type="body" idx="1"/>
           </p:nvPr>
         </p:nvSpPr>
-        <p:spPr>
-          <a:xfrm>
-            <a:off x="311700" y="1355775"/>
-            <a:ext cx="8520600" cy="3416400"/>
-          </a:xfrm>
-          <a:prstGeom prst="rect">
-            <a:avLst/>
-          </a:prstGeom>
-        </p:spPr>
+        <p:spPr/>
         <p:txBody>
-          <a:bodyPr spcFirstLastPara="1" wrap="square" lIns="91425" tIns="91425" rIns="91425" bIns="91425" anchor="t" anchorCtr="0">
-            <a:noAutofit/>
-          </a:bodyPr>
+          <a:bodyPr/>
           <a:lstStyle/>
           <a:p>
-            <a:pPr marL="0" lvl="0" indent="0" algn="ctr" rtl="0">
-              <a:spcBef>
-                <a:spcPts val="0"/>
-              </a:spcBef>
-              <a:spcAft>
-                <a:spcPts val="1600"/>
-              </a:spcAft>
-              <a:buNone/>
-            </a:pPr>
             <a:r>
-              <a:rPr lang="ru" sz="3000">
-                <a:solidFill>
-                  <a:srgbClr val="000000"/>
-                </a:solidFill>
-              </a:rPr>
-              <a:t>Демонстрация работы продукта</a:t>
+              <a:rPr lang="ru-RU" dirty="0"/>
+              <a:t>Позволяет регуляторам/пользователям создавать новые объекты;</a:t>
             </a:r>
-            <a:endParaRPr sz="3000">
-              <a:solidFill>
-                <a:srgbClr val="000000"/>
-              </a:solidFill>
-            </a:endParaRPr>
+          </a:p>
+          <a:p>
+            <a:r>
+              <a:rPr lang="ru-RU" dirty="0"/>
+              <a:t>Может прерывать транзакции снятых с учета токенов;</a:t>
+            </a:r>
+          </a:p>
+          <a:p>
+            <a:r>
+              <a:rPr lang="ru-RU" dirty="0"/>
+              <a:t>Умеет отслеживать общее количество токенов;</a:t>
+            </a:r>
+          </a:p>
+          <a:p>
+            <a:r>
+              <a:rPr lang="ru-RU" dirty="0"/>
+              <a:t>Дает возможность создавать отдельные роли для пользователей и регуляторов с разным уровнем доступа, если это необходимо.</a:t>
+            </a:r>
+          </a:p>
+          <a:p>
+            <a:endParaRPr lang="ru-RU" dirty="0"/>
           </a:p>
         </p:txBody>
       </p:sp>
       <p:sp>
         <p:nvSpPr>
-          <p:cNvPr id="116" name="Google Shape;116;p22"/>
-          <p:cNvSpPr txBox="1">
+          <p:cNvPr id="4" name="Номер слайда 3">
+            <a:extLst>
+              <a:ext uri="{FF2B5EF4-FFF2-40B4-BE49-F238E27FC236}">
+                <a16:creationId xmlns:a16="http://schemas.microsoft.com/office/drawing/2014/main" id="{4B6C5DC3-6A03-FBBC-364E-D93453EEA693}"/>
+              </a:ext>
+            </a:extLst>
+          </p:cNvPr>
+          <p:cNvSpPr>
             <a:spLocks noGrp="1"/>
           </p:cNvSpPr>
           <p:nvPr>
             <p:ph type="sldNum" idx="12"/>
           </p:nvPr>
         </p:nvSpPr>
-        <p:spPr>
-          <a:xfrm>
-            <a:off x="8472458" y="4663217"/>
-            <a:ext cx="548700" cy="393600"/>
-          </a:xfrm>
-          <a:prstGeom prst="rect">
-            <a:avLst/>
-          </a:prstGeom>
-        </p:spPr>
+        <p:spPr/>
         <p:txBody>
-          <a:bodyPr spcFirstLastPara="1" wrap="square" lIns="91425" tIns="91425" rIns="91425" bIns="91425" anchor="ctr" anchorCtr="0">
-            <a:noAutofit/>
-          </a:bodyPr>
+          <a:bodyPr/>
           <a:lstStyle/>
           <a:p>
             <a:pPr marL="0" lvl="0" indent="0" algn="r" rtl="0">
@@ -7747,14 +9970,19 @@
               <a:buNone/>
             </a:pPr>
             <a:fld id="{00000000-1234-1234-1234-123412341234}" type="slidenum">
-              <a:rPr lang="ru"/>
-              <a:t>8</a:t>
+              <a:rPr lang="ru" smtClean="0"/>
+              <a:t>9</a:t>
             </a:fld>
-            <a:endParaRPr/>
+            <a:endParaRPr lang="ru"/>
           </a:p>
         </p:txBody>
       </p:sp>
     </p:spTree>
+    <p:extLst>
+      <p:ext uri="{BB962C8B-B14F-4D97-AF65-F5344CB8AC3E}">
+        <p14:creationId xmlns:p14="http://schemas.microsoft.com/office/powerpoint/2010/main" val="3892755254"/>
+      </p:ext>
+    </p:extLst>
   </p:cSld>
   <p:clrMapOvr>
     <a:masterClrMapping/>
